--- a/Презентация для защиты.pptx
+++ b/Презентация для защиты.pptx
@@ -5,7 +5,7 @@
     <p:sldMasterId id="2147483648" r:id="rId1"/>
   </p:sldMasterIdLst>
   <p:notesMasterIdLst>
-    <p:notesMasterId r:id="rId26"/>
+    <p:notesMasterId r:id="rId25"/>
   </p:notesMasterIdLst>
   <p:sldIdLst>
     <p:sldId id="256" r:id="rId2"/>
@@ -20,18 +20,17 @@
     <p:sldId id="268" r:id="rId11"/>
     <p:sldId id="270" r:id="rId12"/>
     <p:sldId id="281" r:id="rId13"/>
-    <p:sldId id="285" r:id="rId14"/>
-    <p:sldId id="282" r:id="rId15"/>
-    <p:sldId id="283" r:id="rId16"/>
-    <p:sldId id="284" r:id="rId17"/>
-    <p:sldId id="271" r:id="rId18"/>
-    <p:sldId id="272" r:id="rId19"/>
-    <p:sldId id="273" r:id="rId20"/>
-    <p:sldId id="274" r:id="rId21"/>
-    <p:sldId id="275" r:id="rId22"/>
-    <p:sldId id="276" r:id="rId23"/>
-    <p:sldId id="277" r:id="rId24"/>
-    <p:sldId id="278" r:id="rId25"/>
+    <p:sldId id="282" r:id="rId14"/>
+    <p:sldId id="283" r:id="rId15"/>
+    <p:sldId id="284" r:id="rId16"/>
+    <p:sldId id="271" r:id="rId17"/>
+    <p:sldId id="272" r:id="rId18"/>
+    <p:sldId id="273" r:id="rId19"/>
+    <p:sldId id="274" r:id="rId20"/>
+    <p:sldId id="275" r:id="rId21"/>
+    <p:sldId id="276" r:id="rId22"/>
+    <p:sldId id="277" r:id="rId23"/>
+    <p:sldId id="278" r:id="rId24"/>
   </p:sldIdLst>
   <p:sldSz cx="18288000" cy="10287000"/>
   <p:notesSz cx="18288000" cy="10287000"/>
@@ -1992,7 +1991,7 @@
           <a:p>
             <a:fld id="{5A5BC961-E45A-45F0-BB87-CA2EF623DCC0}" type="slidenum">
               <a:rPr lang="ru-RU" smtClean="0"/>
-              <a:t>14</a:t>
+              <a:t>13</a:t>
             </a:fld>
             <a:endParaRPr lang="ru-RU"/>
           </a:p>
@@ -2233,7 +2232,7 @@
           <a:p>
             <a:fld id="{5A5BC961-E45A-45F0-BB87-CA2EF623DCC0}" type="slidenum">
               <a:rPr lang="ru-RU" smtClean="0"/>
-              <a:t>15</a:t>
+              <a:t>14</a:t>
             </a:fld>
             <a:endParaRPr lang="ru-RU"/>
           </a:p>
@@ -2493,7 +2492,7 @@
           <a:p>
             <a:fld id="{5A5BC961-E45A-45F0-BB87-CA2EF623DCC0}" type="slidenum">
               <a:rPr lang="ru-RU" smtClean="0"/>
-              <a:t>16</a:t>
+              <a:t>15</a:t>
             </a:fld>
             <a:endParaRPr lang="ru-RU"/>
           </a:p>
@@ -2685,7 +2684,7 @@
           <a:p>
             <a:fld id="{5A5BC961-E45A-45F0-BB87-CA2EF623DCC0}" type="slidenum">
               <a:rPr lang="ru-RU" smtClean="0"/>
-              <a:t>24</a:t>
+              <a:t>23</a:t>
             </a:fld>
             <a:endParaRPr lang="ru-RU"/>
           </a:p>
@@ -4502,6 +4501,13 @@
       </p:transition>
     </mc:Fallback>
   </mc:AlternateContent>
+  <p:timing>
+    <p:tnLst>
+      <p:par>
+        <p:cTn id="1" dur="indefinite" restart="never" nodeType="tmRoot"/>
+      </p:par>
+    </p:tnLst>
+  </p:timing>
 </p:sld>
 </file>
 
@@ -4613,6 +4619,13 @@
   <p:transition spd="slow">
     <p:push dir="u"/>
   </p:transition>
+  <p:timing>
+    <p:tnLst>
+      <p:par>
+        <p:cTn id="1" dur="indefinite" restart="never" nodeType="tmRoot"/>
+      </p:par>
+    </p:tnLst>
+  </p:timing>
 </p:sld>
 </file>
 
@@ -4708,6 +4721,13 @@
   <p:transition spd="slow">
     <p:wipe/>
   </p:transition>
+  <p:timing>
+    <p:tnLst>
+      <p:par>
+        <p:cTn id="1" dur="indefinite" restart="never" nodeType="tmRoot"/>
+      </p:par>
+    </p:tnLst>
+  </p:timing>
 </p:sld>
 </file>
 
@@ -4840,94 +4860,17 @@
   <p:transition spd="slow">
     <p:push dir="u"/>
   </p:transition>
+  <p:timing>
+    <p:tnLst>
+      <p:par>
+        <p:cTn id="1" dur="indefinite" restart="never" nodeType="tmRoot"/>
+      </p:par>
+    </p:tnLst>
+  </p:timing>
 </p:sld>
 </file>
 
 <file path=ppt/slides/slide13.xml><?xml version="1.0" encoding="utf-8"?>
-<p:sld xmlns:a="http://schemas.openxmlformats.org/drawingml/2006/main" xmlns:r="http://schemas.openxmlformats.org/officeDocument/2006/relationships" xmlns:p="http://schemas.openxmlformats.org/presentationml/2006/main">
-  <p:cSld>
-    <p:spTree>
-      <p:nvGrpSpPr>
-        <p:cNvPr id="1" name=""/>
-        <p:cNvGrpSpPr/>
-        <p:nvPr/>
-      </p:nvGrpSpPr>
-      <p:grpSpPr>
-        <a:xfrm>
-          <a:off x="0" y="0"/>
-          <a:ext cx="0" cy="0"/>
-          <a:chOff x="0" y="0"/>
-          <a:chExt cx="0" cy="0"/>
-        </a:xfrm>
-      </p:grpSpPr>
-      <p:sp>
-        <p:nvSpPr>
-          <p:cNvPr id="2" name="Заголовок 1"/>
-          <p:cNvSpPr>
-            <a:spLocks noGrp="1"/>
-          </p:cNvSpPr>
-          <p:nvPr>
-            <p:ph type="title"/>
-          </p:nvPr>
-        </p:nvSpPr>
-        <p:spPr>
-          <a:xfrm>
-            <a:off x="306999" y="156712"/>
-            <a:ext cx="17674001" cy="607859"/>
-          </a:xfrm>
-        </p:spPr>
-        <p:txBody>
-          <a:bodyPr/>
-          <a:lstStyle/>
-          <a:p>
-            <a:r>
-              <a:rPr lang="en-US" dirty="0"/>
-              <a:t>Server logging</a:t>
-            </a:r>
-            <a:endParaRPr lang="ru-RU" dirty="0"/>
-          </a:p>
-        </p:txBody>
-      </p:sp>
-      <p:pic>
-        <p:nvPicPr>
-          <p:cNvPr id="4" name="Рисунок 3"/>
-          <p:cNvPicPr>
-            <a:picLocks noChangeAspect="1"/>
-          </p:cNvPicPr>
-          <p:nvPr/>
-        </p:nvPicPr>
-        <p:blipFill rotWithShape="1">
-          <a:blip r:embed="rId2"/>
-          <a:srcRect b="4711"/>
-          <a:stretch/>
-        </p:blipFill>
-        <p:spPr>
-          <a:xfrm>
-            <a:off x="3657600" y="764571"/>
-            <a:ext cx="12240686" cy="9044447"/>
-          </a:xfrm>
-          <a:prstGeom prst="rect">
-            <a:avLst/>
-          </a:prstGeom>
-        </p:spPr>
-      </p:pic>
-    </p:spTree>
-    <p:extLst>
-      <p:ext uri="{BB962C8B-B14F-4D97-AF65-F5344CB8AC3E}">
-        <p14:creationId xmlns:p14="http://schemas.microsoft.com/office/powerpoint/2010/main" val="1935932229"/>
-      </p:ext>
-    </p:extLst>
-  </p:cSld>
-  <p:clrMapOvr>
-    <a:masterClrMapping/>
-  </p:clrMapOvr>
-  <p:transition spd="slow">
-    <p:push dir="u"/>
-  </p:transition>
-</p:sld>
-</file>
-
-<file path=ppt/slides/slide14.xml><?xml version="1.0" encoding="utf-8"?>
 <p:sld xmlns:a="http://schemas.openxmlformats.org/drawingml/2006/main" xmlns:r="http://schemas.openxmlformats.org/officeDocument/2006/relationships" xmlns:p="http://schemas.openxmlformats.org/presentationml/2006/main">
   <p:cSld>
     <p:spTree>
@@ -5097,10 +5040,17 @@
   <p:transition spd="slow">
     <p:wipe/>
   </p:transition>
+  <p:timing>
+    <p:tnLst>
+      <p:par>
+        <p:cTn id="1" dur="indefinite" restart="never" nodeType="tmRoot"/>
+      </p:par>
+    </p:tnLst>
+  </p:timing>
 </p:sld>
 </file>
 
-<file path=ppt/slides/slide15.xml><?xml version="1.0" encoding="utf-8"?>
+<file path=ppt/slides/slide14.xml><?xml version="1.0" encoding="utf-8"?>
 <p:sld xmlns:a="http://schemas.openxmlformats.org/drawingml/2006/main" xmlns:r="http://schemas.openxmlformats.org/officeDocument/2006/relationships" xmlns:p="http://schemas.openxmlformats.org/presentationml/2006/main">
   <p:cSld>
     <p:spTree>
@@ -5248,10 +5198,17 @@
   <p:transition spd="slow">
     <p:wipe/>
   </p:transition>
+  <p:timing>
+    <p:tnLst>
+      <p:par>
+        <p:cTn id="1" dur="indefinite" restart="never" nodeType="tmRoot"/>
+      </p:par>
+    </p:tnLst>
+  </p:timing>
 </p:sld>
 </file>
 
-<file path=ppt/slides/slide16.xml><?xml version="1.0" encoding="utf-8"?>
+<file path=ppt/slides/slide15.xml><?xml version="1.0" encoding="utf-8"?>
 <p:sld xmlns:a="http://schemas.openxmlformats.org/drawingml/2006/main" xmlns:r="http://schemas.openxmlformats.org/officeDocument/2006/relationships" xmlns:p="http://schemas.openxmlformats.org/presentationml/2006/main">
   <p:cSld>
     <p:spTree>
@@ -6179,10 +6136,17 @@
   <p:transition spd="slow">
     <p:push dir="u"/>
   </p:transition>
+  <p:timing>
+    <p:tnLst>
+      <p:par>
+        <p:cTn id="1" dur="indefinite" restart="never" nodeType="tmRoot"/>
+      </p:par>
+    </p:tnLst>
+  </p:timing>
 </p:sld>
 </file>
 
-<file path=ppt/slides/slide17.xml><?xml version="1.0" encoding="utf-8"?>
+<file path=ppt/slides/slide16.xml><?xml version="1.0" encoding="utf-8"?>
 <p:sld xmlns:a="http://schemas.openxmlformats.org/drawingml/2006/main" xmlns:r="http://schemas.openxmlformats.org/officeDocument/2006/relationships" xmlns:p="http://schemas.openxmlformats.org/presentationml/2006/main">
   <p:cSld>
     <p:spTree>
@@ -6331,10 +6295,17 @@
   <p:transition spd="slow">
     <p:wipe/>
   </p:transition>
+  <p:timing>
+    <p:tnLst>
+      <p:par>
+        <p:cTn id="1" dur="indefinite" restart="never" nodeType="tmRoot"/>
+      </p:par>
+    </p:tnLst>
+  </p:timing>
 </p:sld>
 </file>
 
-<file path=ppt/slides/slide18.xml><?xml version="1.0" encoding="utf-8"?>
+<file path=ppt/slides/slide17.xml><?xml version="1.0" encoding="utf-8"?>
 <p:sld xmlns:a="http://schemas.openxmlformats.org/drawingml/2006/main" xmlns:r="http://schemas.openxmlformats.org/officeDocument/2006/relationships" xmlns:p="http://schemas.openxmlformats.org/presentationml/2006/main">
   <p:cSld>
     <p:spTree>
@@ -6434,10 +6405,17 @@
   <p:transition spd="slow">
     <p:wipe/>
   </p:transition>
+  <p:timing>
+    <p:tnLst>
+      <p:par>
+        <p:cTn id="1" dur="indefinite" restart="never" nodeType="tmRoot"/>
+      </p:par>
+    </p:tnLst>
+  </p:timing>
 </p:sld>
 </file>
 
-<file path=ppt/slides/slide19.xml><?xml version="1.0" encoding="utf-8"?>
+<file path=ppt/slides/slide18.xml><?xml version="1.0" encoding="utf-8"?>
 <p:sld xmlns:a="http://schemas.openxmlformats.org/drawingml/2006/main" xmlns:r="http://schemas.openxmlformats.org/officeDocument/2006/relationships" xmlns:p="http://schemas.openxmlformats.org/presentationml/2006/main">
   <p:cSld>
     <p:spTree>
@@ -6531,1095 +6509,17 @@
   <p:transition spd="slow">
     <p:wipe/>
   </p:transition>
+  <p:timing>
+    <p:tnLst>
+      <p:par>
+        <p:cTn id="1" dur="indefinite" restart="never" nodeType="tmRoot"/>
+      </p:par>
+    </p:tnLst>
+  </p:timing>
 </p:sld>
 </file>
 
-<file path=ppt/slides/slide2.xml><?xml version="1.0" encoding="utf-8"?>
-<p:sld xmlns:a="http://schemas.openxmlformats.org/drawingml/2006/main" xmlns:r="http://schemas.openxmlformats.org/officeDocument/2006/relationships" xmlns:p="http://schemas.openxmlformats.org/presentationml/2006/main">
-  <p:cSld>
-    <p:spTree>
-      <p:nvGrpSpPr>
-        <p:cNvPr id="1" name=""/>
-        <p:cNvGrpSpPr/>
-        <p:nvPr/>
-      </p:nvGrpSpPr>
-      <p:grpSpPr>
-        <a:xfrm>
-          <a:off x="0" y="0"/>
-          <a:ext cx="0" cy="0"/>
-          <a:chOff x="0" y="0"/>
-          <a:chExt cx="0" cy="0"/>
-        </a:xfrm>
-      </p:grpSpPr>
-      <p:sp>
-        <p:nvSpPr>
-          <p:cNvPr id="3" name="object 3"/>
-          <p:cNvSpPr txBox="1"/>
-          <p:nvPr/>
-        </p:nvSpPr>
-        <p:spPr>
-          <a:xfrm>
-            <a:off x="597333" y="2886322"/>
-            <a:ext cx="17191355" cy="4625975"/>
-          </a:xfrm>
-          <a:prstGeom prst="rect">
-            <a:avLst/>
-          </a:prstGeom>
-        </p:spPr>
-        <p:txBody>
-          <a:bodyPr vert="horz" wrap="square" lIns="0" tIns="11430" rIns="0" bIns="0" rtlCol="0">
-            <a:spAutoFit/>
-          </a:bodyPr>
-          <a:lstStyle/>
-          <a:p>
-            <a:pPr marL="12700" marR="5080" indent="854710" algn="just">
-              <a:lnSpc>
-                <a:spcPct val="116599"/>
-              </a:lnSpc>
-              <a:spcBef>
-                <a:spcPts val="90"/>
-              </a:spcBef>
-            </a:pPr>
-            <a:r>
-              <a:rPr sz="3700" spc="145" dirty="0">
-                <a:solidFill>
-                  <a:srgbClr val="FFFFFF"/>
-                </a:solidFill>
-                <a:latin typeface="Trebuchet MS"/>
-                <a:cs typeface="Trebuchet MS"/>
-              </a:rPr>
-              <a:t>В</a:t>
-            </a:r>
-            <a:r>
-              <a:rPr sz="3700" spc="-125" dirty="0">
-                <a:solidFill>
-                  <a:srgbClr val="FFFFFF"/>
-                </a:solidFill>
-                <a:latin typeface="Trebuchet MS"/>
-                <a:cs typeface="Trebuchet MS"/>
-              </a:rPr>
-              <a:t> </a:t>
-            </a:r>
-            <a:r>
-              <a:rPr sz="3700" spc="-50" dirty="0">
-                <a:solidFill>
-                  <a:srgbClr val="FFFFFF"/>
-                </a:solidFill>
-                <a:latin typeface="Trebuchet MS"/>
-                <a:cs typeface="Trebuchet MS"/>
-              </a:rPr>
-              <a:t>современном</a:t>
-            </a:r>
-            <a:r>
-              <a:rPr sz="3700" spc="-125" dirty="0">
-                <a:solidFill>
-                  <a:srgbClr val="FFFFFF"/>
-                </a:solidFill>
-                <a:latin typeface="Trebuchet MS"/>
-                <a:cs typeface="Trebuchet MS"/>
-              </a:rPr>
-              <a:t> мире,</a:t>
-            </a:r>
-            <a:r>
-              <a:rPr sz="3700" spc="-120" dirty="0">
-                <a:solidFill>
-                  <a:srgbClr val="FFFFFF"/>
-                </a:solidFill>
-                <a:latin typeface="Trebuchet MS"/>
-                <a:cs typeface="Trebuchet MS"/>
-              </a:rPr>
-              <a:t> </a:t>
-            </a:r>
-            <a:r>
-              <a:rPr sz="3700" spc="-20" dirty="0">
-                <a:solidFill>
-                  <a:srgbClr val="FFFFFF"/>
-                </a:solidFill>
-                <a:latin typeface="Trebuchet MS"/>
-                <a:cs typeface="Trebuchet MS"/>
-              </a:rPr>
-              <a:t>где</a:t>
-            </a:r>
-            <a:r>
-              <a:rPr sz="3700" spc="-125" dirty="0">
-                <a:solidFill>
-                  <a:srgbClr val="FFFFFF"/>
-                </a:solidFill>
-                <a:latin typeface="Trebuchet MS"/>
-                <a:cs typeface="Trebuchet MS"/>
-              </a:rPr>
-              <a:t> </a:t>
-            </a:r>
-            <a:r>
-              <a:rPr sz="3700" spc="-55" dirty="0">
-                <a:solidFill>
-                  <a:srgbClr val="FFFFFF"/>
-                </a:solidFill>
-                <a:latin typeface="Trebuchet MS"/>
-                <a:cs typeface="Trebuchet MS"/>
-              </a:rPr>
-              <a:t>информационные</a:t>
-            </a:r>
-            <a:r>
-              <a:rPr sz="3700" spc="-120" dirty="0">
-                <a:solidFill>
-                  <a:srgbClr val="FFFFFF"/>
-                </a:solidFill>
-                <a:latin typeface="Trebuchet MS"/>
-                <a:cs typeface="Trebuchet MS"/>
-              </a:rPr>
-              <a:t> </a:t>
-            </a:r>
-            <a:r>
-              <a:rPr sz="3700" spc="-80" dirty="0">
-                <a:solidFill>
-                  <a:srgbClr val="FFFFFF"/>
-                </a:solidFill>
-                <a:latin typeface="Trebuchet MS"/>
-                <a:cs typeface="Trebuchet MS"/>
-              </a:rPr>
-              <a:t>технологии</a:t>
-            </a:r>
-            <a:r>
-              <a:rPr sz="3700" spc="-125" dirty="0">
-                <a:solidFill>
-                  <a:srgbClr val="FFFFFF"/>
-                </a:solidFill>
-                <a:latin typeface="Trebuchet MS"/>
-                <a:cs typeface="Trebuchet MS"/>
-              </a:rPr>
-              <a:t> </a:t>
-            </a:r>
-            <a:r>
-              <a:rPr sz="3700" spc="-60" dirty="0">
-                <a:solidFill>
-                  <a:srgbClr val="FFFFFF"/>
-                </a:solidFill>
-                <a:latin typeface="Trebuchet MS"/>
-                <a:cs typeface="Trebuchet MS"/>
-              </a:rPr>
-              <a:t>стали</a:t>
-            </a:r>
-            <a:r>
-              <a:rPr sz="3700" spc="-120" dirty="0">
-                <a:solidFill>
-                  <a:srgbClr val="FFFFFF"/>
-                </a:solidFill>
-                <a:latin typeface="Trebuchet MS"/>
-                <a:cs typeface="Trebuchet MS"/>
-              </a:rPr>
-              <a:t> неотъемлемой </a:t>
-            </a:r>
-            <a:r>
-              <a:rPr sz="3700" dirty="0">
-                <a:solidFill>
-                  <a:srgbClr val="FFFFFF"/>
-                </a:solidFill>
-                <a:latin typeface="Trebuchet MS"/>
-                <a:cs typeface="Trebuchet MS"/>
-              </a:rPr>
-              <a:t>частью</a:t>
-            </a:r>
-            <a:r>
-              <a:rPr sz="3700" spc="835" dirty="0">
-                <a:solidFill>
-                  <a:srgbClr val="FFFFFF"/>
-                </a:solidFill>
-                <a:latin typeface="Trebuchet MS"/>
-                <a:cs typeface="Trebuchet MS"/>
-              </a:rPr>
-              <a:t> </a:t>
-            </a:r>
-            <a:r>
-              <a:rPr sz="3700" dirty="0">
-                <a:solidFill>
-                  <a:srgbClr val="FFFFFF"/>
-                </a:solidFill>
-                <a:latin typeface="Trebuchet MS"/>
-                <a:cs typeface="Trebuchet MS"/>
-              </a:rPr>
-              <a:t>многих</a:t>
-            </a:r>
-            <a:r>
-              <a:rPr sz="3700" spc="835" dirty="0">
-                <a:solidFill>
-                  <a:srgbClr val="FFFFFF"/>
-                </a:solidFill>
-                <a:latin typeface="Trebuchet MS"/>
-                <a:cs typeface="Trebuchet MS"/>
-              </a:rPr>
-              <a:t> </a:t>
-            </a:r>
-            <a:r>
-              <a:rPr sz="3700" dirty="0">
-                <a:solidFill>
-                  <a:srgbClr val="FFFFFF"/>
-                </a:solidFill>
-                <a:latin typeface="Trebuchet MS"/>
-                <a:cs typeface="Trebuchet MS"/>
-              </a:rPr>
-              <a:t>сфер</a:t>
-            </a:r>
-            <a:r>
-              <a:rPr sz="3700" spc="840" dirty="0">
-                <a:solidFill>
-                  <a:srgbClr val="FFFFFF"/>
-                </a:solidFill>
-                <a:latin typeface="Trebuchet MS"/>
-                <a:cs typeface="Trebuchet MS"/>
-              </a:rPr>
-              <a:t> </a:t>
-            </a:r>
-            <a:r>
-              <a:rPr sz="3700" spc="-55" dirty="0">
-                <a:solidFill>
-                  <a:srgbClr val="FFFFFF"/>
-                </a:solidFill>
-                <a:latin typeface="Trebuchet MS"/>
-                <a:cs typeface="Trebuchet MS"/>
-              </a:rPr>
-              <a:t>деятельности,</a:t>
-            </a:r>
-            <a:r>
-              <a:rPr sz="3700" spc="835" dirty="0">
-                <a:solidFill>
-                  <a:srgbClr val="FFFFFF"/>
-                </a:solidFill>
-                <a:latin typeface="Trebuchet MS"/>
-                <a:cs typeface="Trebuchet MS"/>
-              </a:rPr>
-              <a:t> </a:t>
-            </a:r>
-            <a:r>
-              <a:rPr sz="3700" dirty="0">
-                <a:solidFill>
-                  <a:srgbClr val="FFFFFF"/>
-                </a:solidFill>
-                <a:latin typeface="Trebuchet MS"/>
-                <a:cs typeface="Trebuchet MS"/>
-              </a:rPr>
-              <a:t>включая</a:t>
-            </a:r>
-            <a:r>
-              <a:rPr sz="3700" spc="840" dirty="0">
-                <a:solidFill>
-                  <a:srgbClr val="FFFFFF"/>
-                </a:solidFill>
-                <a:latin typeface="Trebuchet MS"/>
-                <a:cs typeface="Trebuchet MS"/>
-              </a:rPr>
-              <a:t> </a:t>
-            </a:r>
-            <a:r>
-              <a:rPr sz="3700" dirty="0">
-                <a:solidFill>
-                  <a:srgbClr val="FFFFFF"/>
-                </a:solidFill>
-                <a:latin typeface="Trebuchet MS"/>
-                <a:cs typeface="Trebuchet MS"/>
-              </a:rPr>
-              <a:t>образование,</a:t>
-            </a:r>
-            <a:r>
-              <a:rPr sz="3700" spc="835" dirty="0">
-                <a:solidFill>
-                  <a:srgbClr val="FFFFFF"/>
-                </a:solidFill>
-                <a:latin typeface="Trebuchet MS"/>
-                <a:cs typeface="Trebuchet MS"/>
-              </a:rPr>
-              <a:t> </a:t>
-            </a:r>
-            <a:r>
-              <a:rPr sz="3700" dirty="0">
-                <a:solidFill>
-                  <a:srgbClr val="FFFFFF"/>
-                </a:solidFill>
-                <a:latin typeface="Trebuchet MS"/>
-                <a:cs typeface="Trebuchet MS"/>
-              </a:rPr>
-              <a:t>многие</a:t>
-            </a:r>
-            <a:r>
-              <a:rPr sz="3700" spc="835" dirty="0">
-                <a:solidFill>
-                  <a:srgbClr val="FFFFFF"/>
-                </a:solidFill>
-                <a:latin typeface="Trebuchet MS"/>
-                <a:cs typeface="Trebuchet MS"/>
-              </a:rPr>
-              <a:t> </a:t>
-            </a:r>
-            <a:r>
-              <a:rPr sz="3700" spc="-10" dirty="0">
-                <a:solidFill>
-                  <a:srgbClr val="FFFFFF"/>
-                </a:solidFill>
-                <a:latin typeface="Trebuchet MS"/>
-                <a:cs typeface="Trebuchet MS"/>
-              </a:rPr>
-              <a:t>учебные </a:t>
-            </a:r>
-            <a:r>
-              <a:rPr sz="3700" dirty="0">
-                <a:solidFill>
-                  <a:srgbClr val="FFFFFF"/>
-                </a:solidFill>
-                <a:latin typeface="Trebuchet MS"/>
-                <a:cs typeface="Trebuchet MS"/>
-              </a:rPr>
-              <a:t>организации</a:t>
-            </a:r>
-            <a:r>
-              <a:rPr sz="3700" spc="660" dirty="0">
-                <a:solidFill>
-                  <a:srgbClr val="FFFFFF"/>
-                </a:solidFill>
-                <a:latin typeface="Trebuchet MS"/>
-                <a:cs typeface="Trebuchet MS"/>
-              </a:rPr>
-              <a:t> </a:t>
-            </a:r>
-            <a:r>
-              <a:rPr sz="3700" dirty="0">
-                <a:solidFill>
-                  <a:srgbClr val="FFFFFF"/>
-                </a:solidFill>
-                <a:latin typeface="Trebuchet MS"/>
-                <a:cs typeface="Trebuchet MS"/>
-              </a:rPr>
-              <a:t>прибегают</a:t>
-            </a:r>
-            <a:r>
-              <a:rPr sz="3700" spc="665" dirty="0">
-                <a:solidFill>
-                  <a:srgbClr val="FFFFFF"/>
-                </a:solidFill>
-                <a:latin typeface="Trebuchet MS"/>
-                <a:cs typeface="Trebuchet MS"/>
-              </a:rPr>
-              <a:t> </a:t>
-            </a:r>
-            <a:r>
-              <a:rPr sz="3700" dirty="0">
-                <a:solidFill>
-                  <a:srgbClr val="FFFFFF"/>
-                </a:solidFill>
-                <a:latin typeface="Trebuchet MS"/>
-                <a:cs typeface="Trebuchet MS"/>
-              </a:rPr>
-              <a:t>к</a:t>
-            </a:r>
-            <a:r>
-              <a:rPr sz="3700" spc="660" dirty="0">
-                <a:solidFill>
-                  <a:srgbClr val="FFFFFF"/>
-                </a:solidFill>
-                <a:latin typeface="Trebuchet MS"/>
-                <a:cs typeface="Trebuchet MS"/>
-              </a:rPr>
-              <a:t> </a:t>
-            </a:r>
-            <a:r>
-              <a:rPr sz="3700" dirty="0">
-                <a:solidFill>
-                  <a:srgbClr val="FFFFFF"/>
-                </a:solidFill>
-                <a:latin typeface="Trebuchet MS"/>
-                <a:cs typeface="Trebuchet MS"/>
-              </a:rPr>
-              <a:t>использованию</a:t>
-            </a:r>
-            <a:r>
-              <a:rPr sz="3700" spc="665" dirty="0">
-                <a:solidFill>
-                  <a:srgbClr val="FFFFFF"/>
-                </a:solidFill>
-                <a:latin typeface="Trebuchet MS"/>
-                <a:cs typeface="Trebuchet MS"/>
-              </a:rPr>
-              <a:t> </a:t>
-            </a:r>
-            <a:r>
-              <a:rPr sz="3700" spc="-135" dirty="0">
-                <a:solidFill>
-                  <a:srgbClr val="FFFFFF"/>
-                </a:solidFill>
-                <a:latin typeface="Trebuchet MS"/>
-                <a:cs typeface="Trebuchet MS"/>
-              </a:rPr>
-              <a:t>клиент-</a:t>
-            </a:r>
-            <a:r>
-              <a:rPr sz="3700" dirty="0">
-                <a:solidFill>
-                  <a:srgbClr val="FFFFFF"/>
-                </a:solidFill>
-                <a:latin typeface="Trebuchet MS"/>
-                <a:cs typeface="Trebuchet MS"/>
-              </a:rPr>
-              <a:t>серверных</a:t>
-            </a:r>
-            <a:r>
-              <a:rPr sz="3700" spc="665" dirty="0">
-                <a:solidFill>
-                  <a:srgbClr val="FFFFFF"/>
-                </a:solidFill>
-                <a:latin typeface="Trebuchet MS"/>
-                <a:cs typeface="Trebuchet MS"/>
-              </a:rPr>
-              <a:t> </a:t>
-            </a:r>
-            <a:r>
-              <a:rPr sz="3700" dirty="0">
-                <a:solidFill>
-                  <a:srgbClr val="FFFFFF"/>
-                </a:solidFill>
-                <a:latin typeface="Trebuchet MS"/>
-                <a:cs typeface="Trebuchet MS"/>
-              </a:rPr>
-              <a:t>приложений.</a:t>
-            </a:r>
-            <a:r>
-              <a:rPr sz="3700" spc="660" dirty="0">
-                <a:solidFill>
-                  <a:srgbClr val="FFFFFF"/>
-                </a:solidFill>
-                <a:latin typeface="Trebuchet MS"/>
-                <a:cs typeface="Trebuchet MS"/>
-              </a:rPr>
-              <a:t> </a:t>
-            </a:r>
-            <a:r>
-              <a:rPr sz="3700" spc="95" dirty="0">
-                <a:solidFill>
-                  <a:srgbClr val="FFFFFF"/>
-                </a:solidFill>
-                <a:latin typeface="Trebuchet MS"/>
-                <a:cs typeface="Trebuchet MS"/>
-              </a:rPr>
-              <a:t>В </a:t>
-            </a:r>
-            <a:r>
-              <a:rPr sz="3700" dirty="0">
-                <a:solidFill>
-                  <a:srgbClr val="FFFFFF"/>
-                </a:solidFill>
-                <a:latin typeface="Trebuchet MS"/>
-                <a:cs typeface="Trebuchet MS"/>
-              </a:rPr>
-              <a:t>частности,</a:t>
-            </a:r>
-            <a:r>
-              <a:rPr sz="3700" spc="750" dirty="0">
-                <a:solidFill>
-                  <a:srgbClr val="FFFFFF"/>
-                </a:solidFill>
-                <a:latin typeface="Trebuchet MS"/>
-                <a:cs typeface="Trebuchet MS"/>
-              </a:rPr>
-              <a:t> </a:t>
-            </a:r>
-            <a:r>
-              <a:rPr sz="3700" dirty="0">
-                <a:solidFill>
-                  <a:srgbClr val="FFFFFF"/>
-                </a:solidFill>
-                <a:latin typeface="Trebuchet MS"/>
-                <a:cs typeface="Trebuchet MS"/>
-              </a:rPr>
-              <a:t>автошколы</a:t>
-            </a:r>
-            <a:r>
-              <a:rPr sz="3700" spc="750" dirty="0">
-                <a:solidFill>
-                  <a:srgbClr val="FFFFFF"/>
-                </a:solidFill>
-                <a:latin typeface="Trebuchet MS"/>
-                <a:cs typeface="Trebuchet MS"/>
-              </a:rPr>
-              <a:t> </a:t>
-            </a:r>
-            <a:r>
-              <a:rPr sz="3700" dirty="0">
-                <a:solidFill>
-                  <a:srgbClr val="FFFFFF"/>
-                </a:solidFill>
-                <a:latin typeface="Trebuchet MS"/>
-                <a:cs typeface="Trebuchet MS"/>
-              </a:rPr>
-              <a:t>активно</a:t>
-            </a:r>
-            <a:r>
-              <a:rPr sz="3700" spc="750" dirty="0">
-                <a:solidFill>
-                  <a:srgbClr val="FFFFFF"/>
-                </a:solidFill>
-                <a:latin typeface="Trebuchet MS"/>
-                <a:cs typeface="Trebuchet MS"/>
-              </a:rPr>
-              <a:t> </a:t>
-            </a:r>
-            <a:r>
-              <a:rPr sz="3700" dirty="0">
-                <a:solidFill>
-                  <a:srgbClr val="FFFFFF"/>
-                </a:solidFill>
-                <a:latin typeface="Trebuchet MS"/>
-                <a:cs typeface="Trebuchet MS"/>
-              </a:rPr>
-              <a:t>внедряют</a:t>
-            </a:r>
-            <a:r>
-              <a:rPr sz="3700" spc="755" dirty="0">
-                <a:solidFill>
-                  <a:srgbClr val="FFFFFF"/>
-                </a:solidFill>
-                <a:latin typeface="Trebuchet MS"/>
-                <a:cs typeface="Trebuchet MS"/>
-              </a:rPr>
-              <a:t> </a:t>
-            </a:r>
-            <a:r>
-              <a:rPr sz="3700" dirty="0">
-                <a:solidFill>
-                  <a:srgbClr val="FFFFFF"/>
-                </a:solidFill>
-                <a:latin typeface="Trebuchet MS"/>
-                <a:cs typeface="Trebuchet MS"/>
-              </a:rPr>
-              <a:t>технологии</a:t>
-            </a:r>
-            <a:r>
-              <a:rPr sz="3700" spc="750" dirty="0">
-                <a:solidFill>
-                  <a:srgbClr val="FFFFFF"/>
-                </a:solidFill>
-                <a:latin typeface="Trebuchet MS"/>
-                <a:cs typeface="Trebuchet MS"/>
-              </a:rPr>
-              <a:t> </a:t>
-            </a:r>
-            <a:r>
-              <a:rPr sz="3700" dirty="0">
-                <a:solidFill>
-                  <a:srgbClr val="FFFFFF"/>
-                </a:solidFill>
-                <a:latin typeface="Trebuchet MS"/>
-                <a:cs typeface="Trebuchet MS"/>
-              </a:rPr>
-              <a:t>для</a:t>
-            </a:r>
-            <a:r>
-              <a:rPr sz="3700" spc="750" dirty="0">
-                <a:solidFill>
-                  <a:srgbClr val="FFFFFF"/>
-                </a:solidFill>
-                <a:latin typeface="Trebuchet MS"/>
-                <a:cs typeface="Trebuchet MS"/>
-              </a:rPr>
-              <a:t> </a:t>
-            </a:r>
-            <a:r>
-              <a:rPr sz="3700" dirty="0">
-                <a:solidFill>
-                  <a:srgbClr val="FFFFFF"/>
-                </a:solidFill>
-                <a:latin typeface="Trebuchet MS"/>
-                <a:cs typeface="Trebuchet MS"/>
-              </a:rPr>
-              <a:t>улучшения</a:t>
-            </a:r>
-            <a:r>
-              <a:rPr sz="3700" spc="755" dirty="0">
-                <a:solidFill>
-                  <a:srgbClr val="FFFFFF"/>
-                </a:solidFill>
-                <a:latin typeface="Trebuchet MS"/>
-                <a:cs typeface="Trebuchet MS"/>
-              </a:rPr>
-              <a:t> </a:t>
-            </a:r>
-            <a:r>
-              <a:rPr sz="3700" spc="-20" dirty="0">
-                <a:solidFill>
-                  <a:srgbClr val="FFFFFF"/>
-                </a:solidFill>
-                <a:latin typeface="Trebuchet MS"/>
-                <a:cs typeface="Trebuchet MS"/>
-              </a:rPr>
-              <a:t>своей </a:t>
-            </a:r>
-            <a:r>
-              <a:rPr sz="3700" spc="-80" dirty="0">
-                <a:solidFill>
-                  <a:srgbClr val="FFFFFF"/>
-                </a:solidFill>
-                <a:latin typeface="Trebuchet MS"/>
-                <a:cs typeface="Trebuchet MS"/>
-              </a:rPr>
-              <a:t>эффективности</a:t>
-            </a:r>
-            <a:r>
-              <a:rPr sz="3700" spc="535" dirty="0">
-                <a:solidFill>
-                  <a:srgbClr val="FFFFFF"/>
-                </a:solidFill>
-                <a:latin typeface="Trebuchet MS"/>
-                <a:cs typeface="Trebuchet MS"/>
-              </a:rPr>
-              <a:t> </a:t>
-            </a:r>
-            <a:r>
-              <a:rPr sz="3700" dirty="0">
-                <a:solidFill>
-                  <a:srgbClr val="FFFFFF"/>
-                </a:solidFill>
-                <a:latin typeface="Trebuchet MS"/>
-                <a:cs typeface="Trebuchet MS"/>
-              </a:rPr>
-              <a:t>и</a:t>
-            </a:r>
-            <a:r>
-              <a:rPr sz="3700" spc="535" dirty="0">
-                <a:solidFill>
-                  <a:srgbClr val="FFFFFF"/>
-                </a:solidFill>
-                <a:latin typeface="Trebuchet MS"/>
-                <a:cs typeface="Trebuchet MS"/>
-              </a:rPr>
-              <a:t> </a:t>
-            </a:r>
-            <a:r>
-              <a:rPr sz="3700" dirty="0">
-                <a:solidFill>
-                  <a:srgbClr val="FFFFFF"/>
-                </a:solidFill>
-                <a:latin typeface="Trebuchet MS"/>
-                <a:cs typeface="Trebuchet MS"/>
-              </a:rPr>
-              <a:t>качества</a:t>
-            </a:r>
-            <a:r>
-              <a:rPr sz="3700" spc="540" dirty="0">
-                <a:solidFill>
-                  <a:srgbClr val="FFFFFF"/>
-                </a:solidFill>
-                <a:latin typeface="Trebuchet MS"/>
-                <a:cs typeface="Trebuchet MS"/>
-              </a:rPr>
-              <a:t> </a:t>
-            </a:r>
-            <a:r>
-              <a:rPr sz="3700" dirty="0">
-                <a:solidFill>
-                  <a:srgbClr val="FFFFFF"/>
-                </a:solidFill>
-                <a:latin typeface="Trebuchet MS"/>
-                <a:cs typeface="Trebuchet MS"/>
-              </a:rPr>
-              <a:t>обучения.</a:t>
-            </a:r>
-            <a:r>
-              <a:rPr sz="3700" spc="535" dirty="0">
-                <a:solidFill>
-                  <a:srgbClr val="FFFFFF"/>
-                </a:solidFill>
-                <a:latin typeface="Trebuchet MS"/>
-                <a:cs typeface="Trebuchet MS"/>
-              </a:rPr>
-              <a:t> </a:t>
-            </a:r>
-            <a:r>
-              <a:rPr sz="3700" dirty="0">
-                <a:solidFill>
-                  <a:srgbClr val="FFFFFF"/>
-                </a:solidFill>
-                <a:latin typeface="Trebuchet MS"/>
-                <a:cs typeface="Trebuchet MS"/>
-              </a:rPr>
-              <a:t>Тем</a:t>
-            </a:r>
-            <a:r>
-              <a:rPr sz="3700" spc="540" dirty="0">
-                <a:solidFill>
-                  <a:srgbClr val="FFFFFF"/>
-                </a:solidFill>
-                <a:latin typeface="Trebuchet MS"/>
-                <a:cs typeface="Trebuchet MS"/>
-              </a:rPr>
-              <a:t> </a:t>
-            </a:r>
-            <a:r>
-              <a:rPr sz="3700" dirty="0">
-                <a:solidFill>
-                  <a:srgbClr val="FFFFFF"/>
-                </a:solidFill>
-                <a:latin typeface="Trebuchet MS"/>
-                <a:cs typeface="Trebuchet MS"/>
-              </a:rPr>
-              <a:t>самым</a:t>
-            </a:r>
-            <a:r>
-              <a:rPr sz="3700" spc="535" dirty="0">
-                <a:solidFill>
-                  <a:srgbClr val="FFFFFF"/>
-                </a:solidFill>
-                <a:latin typeface="Trebuchet MS"/>
-                <a:cs typeface="Trebuchet MS"/>
-              </a:rPr>
-              <a:t> </a:t>
-            </a:r>
-            <a:r>
-              <a:rPr sz="3700" dirty="0">
-                <a:solidFill>
-                  <a:srgbClr val="FFFFFF"/>
-                </a:solidFill>
-                <a:latin typeface="Trebuchet MS"/>
-                <a:cs typeface="Trebuchet MS"/>
-              </a:rPr>
-              <a:t>разработка</a:t>
-            </a:r>
-            <a:r>
-              <a:rPr sz="3700" spc="540" dirty="0">
-                <a:solidFill>
-                  <a:srgbClr val="FFFFFF"/>
-                </a:solidFill>
-                <a:latin typeface="Trebuchet MS"/>
-                <a:cs typeface="Trebuchet MS"/>
-              </a:rPr>
-              <a:t> </a:t>
-            </a:r>
-            <a:r>
-              <a:rPr sz="3700" dirty="0">
-                <a:solidFill>
-                  <a:srgbClr val="FFFFFF"/>
-                </a:solidFill>
-                <a:latin typeface="Trebuchet MS"/>
-                <a:cs typeface="Trebuchet MS"/>
-              </a:rPr>
-              <a:t>и</a:t>
-            </a:r>
-            <a:r>
-              <a:rPr sz="3700" spc="535" dirty="0">
-                <a:solidFill>
-                  <a:srgbClr val="FFFFFF"/>
-                </a:solidFill>
-                <a:latin typeface="Trebuchet MS"/>
-                <a:cs typeface="Trebuchet MS"/>
-              </a:rPr>
-              <a:t> </a:t>
-            </a:r>
-            <a:r>
-              <a:rPr sz="3700" spc="-10" dirty="0">
-                <a:solidFill>
-                  <a:srgbClr val="FFFFFF"/>
-                </a:solidFill>
-                <a:latin typeface="Trebuchet MS"/>
-                <a:cs typeface="Trebuchet MS"/>
-              </a:rPr>
-              <a:t>обеспечение </a:t>
-            </a:r>
-            <a:r>
-              <a:rPr sz="3700" spc="-25" dirty="0">
-                <a:solidFill>
-                  <a:srgbClr val="FFFFFF"/>
-                </a:solidFill>
-                <a:latin typeface="Trebuchet MS"/>
-                <a:cs typeface="Trebuchet MS"/>
-              </a:rPr>
-              <a:t>безопасности</a:t>
-            </a:r>
-            <a:r>
-              <a:rPr sz="3700" spc="-150" dirty="0">
-                <a:solidFill>
-                  <a:srgbClr val="FFFFFF"/>
-                </a:solidFill>
-                <a:latin typeface="Trebuchet MS"/>
-                <a:cs typeface="Trebuchet MS"/>
-              </a:rPr>
-              <a:t> </a:t>
-            </a:r>
-            <a:r>
-              <a:rPr sz="3700" spc="-135" dirty="0">
-                <a:solidFill>
-                  <a:srgbClr val="FFFFFF"/>
-                </a:solidFill>
-                <a:latin typeface="Trebuchet MS"/>
-                <a:cs typeface="Trebuchet MS"/>
-              </a:rPr>
-              <a:t>клиент-</a:t>
-            </a:r>
-            <a:r>
-              <a:rPr sz="3700" spc="-30" dirty="0">
-                <a:solidFill>
-                  <a:srgbClr val="FFFFFF"/>
-                </a:solidFill>
-                <a:latin typeface="Trebuchet MS"/>
-                <a:cs typeface="Trebuchet MS"/>
-              </a:rPr>
-              <a:t>серверного</a:t>
-            </a:r>
-            <a:r>
-              <a:rPr sz="3700" spc="-150" dirty="0">
-                <a:solidFill>
-                  <a:srgbClr val="FFFFFF"/>
-                </a:solidFill>
-                <a:latin typeface="Trebuchet MS"/>
-                <a:cs typeface="Trebuchet MS"/>
-              </a:rPr>
-              <a:t> </a:t>
-            </a:r>
-            <a:r>
-              <a:rPr sz="3700" spc="-95" dirty="0">
-                <a:solidFill>
-                  <a:srgbClr val="FFFFFF"/>
-                </a:solidFill>
-                <a:latin typeface="Trebuchet MS"/>
-                <a:cs typeface="Trebuchet MS"/>
-              </a:rPr>
-              <a:t>приложения</a:t>
-            </a:r>
-            <a:r>
-              <a:rPr sz="3700" spc="-145" dirty="0">
-                <a:solidFill>
-                  <a:srgbClr val="FFFFFF"/>
-                </a:solidFill>
-                <a:latin typeface="Trebuchet MS"/>
-                <a:cs typeface="Trebuchet MS"/>
-              </a:rPr>
-              <a:t> </a:t>
-            </a:r>
-            <a:r>
-              <a:rPr sz="3700" spc="-70" dirty="0">
-                <a:solidFill>
-                  <a:srgbClr val="FFFFFF"/>
-                </a:solidFill>
-                <a:latin typeface="Trebuchet MS"/>
-                <a:cs typeface="Trebuchet MS"/>
-              </a:rPr>
-              <a:t>автошколы</a:t>
-            </a:r>
-            <a:r>
-              <a:rPr sz="3700" spc="-150" dirty="0">
-                <a:solidFill>
-                  <a:srgbClr val="FFFFFF"/>
-                </a:solidFill>
-                <a:latin typeface="Trebuchet MS"/>
-                <a:cs typeface="Trebuchet MS"/>
-              </a:rPr>
-              <a:t> </a:t>
-            </a:r>
-            <a:r>
-              <a:rPr sz="3700" spc="-85" dirty="0">
-                <a:solidFill>
-                  <a:srgbClr val="FFFFFF"/>
-                </a:solidFill>
-                <a:latin typeface="Trebuchet MS"/>
-                <a:cs typeface="Trebuchet MS"/>
-              </a:rPr>
-              <a:t>становится</a:t>
-            </a:r>
-            <a:r>
-              <a:rPr sz="3700" spc="-145" dirty="0">
-                <a:solidFill>
-                  <a:srgbClr val="FFFFFF"/>
-                </a:solidFill>
-                <a:latin typeface="Trebuchet MS"/>
-                <a:cs typeface="Trebuchet MS"/>
-              </a:rPr>
-              <a:t> </a:t>
-            </a:r>
-            <a:r>
-              <a:rPr sz="3700" spc="-35" dirty="0">
-                <a:solidFill>
-                  <a:srgbClr val="FFFFFF"/>
-                </a:solidFill>
-                <a:latin typeface="Trebuchet MS"/>
-                <a:cs typeface="Trebuchet MS"/>
-              </a:rPr>
-              <a:t>критически </a:t>
-            </a:r>
-            <a:r>
-              <a:rPr sz="3700" spc="-90" dirty="0">
-                <a:solidFill>
-                  <a:srgbClr val="FFFFFF"/>
-                </a:solidFill>
-                <a:latin typeface="Trebuchet MS"/>
-                <a:cs typeface="Trebuchet MS"/>
-              </a:rPr>
-              <a:t>значимым</a:t>
-            </a:r>
-            <a:r>
-              <a:rPr sz="3700" spc="-120" dirty="0">
-                <a:solidFill>
-                  <a:srgbClr val="FFFFFF"/>
-                </a:solidFill>
-                <a:latin typeface="Trebuchet MS"/>
-                <a:cs typeface="Trebuchet MS"/>
-              </a:rPr>
-              <a:t> </a:t>
-            </a:r>
-            <a:r>
-              <a:rPr sz="3700" spc="-165" dirty="0">
-                <a:solidFill>
-                  <a:srgbClr val="FFFFFF"/>
-                </a:solidFill>
-                <a:latin typeface="Trebuchet MS"/>
-                <a:cs typeface="Trebuchet MS"/>
-              </a:rPr>
-              <a:t>аспектом,</a:t>
-            </a:r>
-            <a:r>
-              <a:rPr sz="3700" spc="-120" dirty="0">
-                <a:solidFill>
-                  <a:srgbClr val="FFFFFF"/>
-                </a:solidFill>
-                <a:latin typeface="Trebuchet MS"/>
-                <a:cs typeface="Trebuchet MS"/>
-              </a:rPr>
-              <a:t> </a:t>
-            </a:r>
-            <a:r>
-              <a:rPr sz="3700" spc="-85" dirty="0">
-                <a:solidFill>
-                  <a:srgbClr val="FFFFFF"/>
-                </a:solidFill>
-                <a:latin typeface="Trebuchet MS"/>
-                <a:cs typeface="Trebuchet MS"/>
-              </a:rPr>
-              <a:t>требующим</a:t>
-            </a:r>
-            <a:r>
-              <a:rPr sz="3700" spc="-120" dirty="0">
-                <a:solidFill>
-                  <a:srgbClr val="FFFFFF"/>
-                </a:solidFill>
-                <a:latin typeface="Trebuchet MS"/>
-                <a:cs typeface="Trebuchet MS"/>
-              </a:rPr>
-              <a:t> </a:t>
-            </a:r>
-            <a:r>
-              <a:rPr sz="3700" spc="-180" dirty="0">
-                <a:solidFill>
-                  <a:srgbClr val="FFFFFF"/>
-                </a:solidFill>
-                <a:latin typeface="Trebuchet MS"/>
-                <a:cs typeface="Trebuchet MS"/>
-              </a:rPr>
-              <a:t>к</a:t>
-            </a:r>
-            <a:r>
-              <a:rPr sz="3700" spc="-114" dirty="0">
-                <a:solidFill>
-                  <a:srgbClr val="FFFFFF"/>
-                </a:solidFill>
-                <a:latin typeface="Trebuchet MS"/>
-                <a:cs typeface="Trebuchet MS"/>
-              </a:rPr>
-              <a:t> </a:t>
-            </a:r>
-            <a:r>
-              <a:rPr sz="3700" spc="-95" dirty="0">
-                <a:solidFill>
-                  <a:srgbClr val="FFFFFF"/>
-                </a:solidFill>
-                <a:latin typeface="Trebuchet MS"/>
-                <a:cs typeface="Trebuchet MS"/>
-              </a:rPr>
-              <a:t>себе</a:t>
-            </a:r>
-            <a:r>
-              <a:rPr sz="3700" spc="-120" dirty="0">
-                <a:solidFill>
-                  <a:srgbClr val="FFFFFF"/>
-                </a:solidFill>
-                <a:latin typeface="Trebuchet MS"/>
-                <a:cs typeface="Trebuchet MS"/>
-              </a:rPr>
-              <a:t> </a:t>
-            </a:r>
-            <a:r>
-              <a:rPr sz="3700" dirty="0">
-                <a:solidFill>
-                  <a:srgbClr val="FFFFFF"/>
-                </a:solidFill>
-                <a:latin typeface="Trebuchet MS"/>
-                <a:cs typeface="Trebuchet MS"/>
-              </a:rPr>
-              <a:t>особого</a:t>
-            </a:r>
-            <a:r>
-              <a:rPr sz="3700" spc="-120" dirty="0">
-                <a:solidFill>
-                  <a:srgbClr val="FFFFFF"/>
-                </a:solidFill>
-                <a:latin typeface="Trebuchet MS"/>
-                <a:cs typeface="Trebuchet MS"/>
-              </a:rPr>
-              <a:t> </a:t>
-            </a:r>
-            <a:r>
-              <a:rPr sz="3700" spc="-10" dirty="0">
-                <a:solidFill>
-                  <a:srgbClr val="FFFFFF"/>
-                </a:solidFill>
-                <a:latin typeface="Trebuchet MS"/>
-                <a:cs typeface="Trebuchet MS"/>
-              </a:rPr>
-              <a:t>внимания.</a:t>
-            </a:r>
-            <a:endParaRPr sz="3700">
-              <a:latin typeface="Trebuchet MS"/>
-              <a:cs typeface="Trebuchet MS"/>
-            </a:endParaRPr>
-          </a:p>
-        </p:txBody>
-      </p:sp>
-      <p:pic>
-        <p:nvPicPr>
-          <p:cNvPr id="5" name="object 5"/>
-          <p:cNvPicPr/>
-          <p:nvPr/>
-        </p:nvPicPr>
-        <p:blipFill>
-          <a:blip r:embed="rId3" cstate="print"/>
-          <a:stretch>
-            <a:fillRect/>
-          </a:stretch>
-        </p:blipFill>
-        <p:spPr>
-          <a:xfrm>
-            <a:off x="-8822" y="362"/>
-            <a:ext cx="3728575" cy="3768680"/>
-          </a:xfrm>
-          <a:prstGeom prst="rect">
-            <a:avLst/>
-          </a:prstGeom>
-        </p:spPr>
-      </p:pic>
-    </p:spTree>
-  </p:cSld>
-  <p:clrMapOvr>
-    <a:masterClrMapping/>
-  </p:clrMapOvr>
-  <mc:AlternateContent xmlns:mc="http://schemas.openxmlformats.org/markup-compatibility/2006" xmlns:p14="http://schemas.microsoft.com/office/powerpoint/2010/main">
-    <mc:Choice Requires="p14">
-      <p:transition spd="med" p14:dur="700">
-        <p:fade/>
-      </p:transition>
-    </mc:Choice>
-    <mc:Fallback xmlns="">
-      <p:transition spd="med">
-        <p:fade/>
-      </p:transition>
-    </mc:Fallback>
-  </mc:AlternateContent>
-</p:sld>
-</file>
-
-<file path=ppt/slides/slide20.xml><?xml version="1.0" encoding="utf-8"?>
+<file path=ppt/slides/slide19.xml><?xml version="1.0" encoding="utf-8"?>
 <p:sld xmlns:a="http://schemas.openxmlformats.org/drawingml/2006/main" xmlns:r="http://schemas.openxmlformats.org/officeDocument/2006/relationships" xmlns:p="http://schemas.openxmlformats.org/presentationml/2006/main" showMasterSp="0">
   <p:cSld>
     <p:spTree>
@@ -7839,7 +6739,1099 @@
 </p:sld>
 </file>
 
-<file path=ppt/slides/slide21.xml><?xml version="1.0" encoding="utf-8"?>
+<file path=ppt/slides/slide2.xml><?xml version="1.0" encoding="utf-8"?>
+<p:sld xmlns:a="http://schemas.openxmlformats.org/drawingml/2006/main" xmlns:r="http://schemas.openxmlformats.org/officeDocument/2006/relationships" xmlns:p="http://schemas.openxmlformats.org/presentationml/2006/main">
+  <p:cSld>
+    <p:spTree>
+      <p:nvGrpSpPr>
+        <p:cNvPr id="1" name=""/>
+        <p:cNvGrpSpPr/>
+        <p:nvPr/>
+      </p:nvGrpSpPr>
+      <p:grpSpPr>
+        <a:xfrm>
+          <a:off x="0" y="0"/>
+          <a:ext cx="0" cy="0"/>
+          <a:chOff x="0" y="0"/>
+          <a:chExt cx="0" cy="0"/>
+        </a:xfrm>
+      </p:grpSpPr>
+      <p:sp>
+        <p:nvSpPr>
+          <p:cNvPr id="3" name="object 3"/>
+          <p:cNvSpPr txBox="1"/>
+          <p:nvPr/>
+        </p:nvSpPr>
+        <p:spPr>
+          <a:xfrm>
+            <a:off x="597333" y="2886322"/>
+            <a:ext cx="17191355" cy="4625975"/>
+          </a:xfrm>
+          <a:prstGeom prst="rect">
+            <a:avLst/>
+          </a:prstGeom>
+        </p:spPr>
+        <p:txBody>
+          <a:bodyPr vert="horz" wrap="square" lIns="0" tIns="11430" rIns="0" bIns="0" rtlCol="0">
+            <a:spAutoFit/>
+          </a:bodyPr>
+          <a:lstStyle/>
+          <a:p>
+            <a:pPr marL="12700" marR="5080" indent="854710" algn="just">
+              <a:lnSpc>
+                <a:spcPct val="116599"/>
+              </a:lnSpc>
+              <a:spcBef>
+                <a:spcPts val="90"/>
+              </a:spcBef>
+            </a:pPr>
+            <a:r>
+              <a:rPr sz="3700" spc="145" dirty="0">
+                <a:solidFill>
+                  <a:srgbClr val="FFFFFF"/>
+                </a:solidFill>
+                <a:latin typeface="Trebuchet MS"/>
+                <a:cs typeface="Trebuchet MS"/>
+              </a:rPr>
+              <a:t>В</a:t>
+            </a:r>
+            <a:r>
+              <a:rPr sz="3700" spc="-125" dirty="0">
+                <a:solidFill>
+                  <a:srgbClr val="FFFFFF"/>
+                </a:solidFill>
+                <a:latin typeface="Trebuchet MS"/>
+                <a:cs typeface="Trebuchet MS"/>
+              </a:rPr>
+              <a:t> </a:t>
+            </a:r>
+            <a:r>
+              <a:rPr sz="3700" spc="-50" dirty="0">
+                <a:solidFill>
+                  <a:srgbClr val="FFFFFF"/>
+                </a:solidFill>
+                <a:latin typeface="Trebuchet MS"/>
+                <a:cs typeface="Trebuchet MS"/>
+              </a:rPr>
+              <a:t>современном</a:t>
+            </a:r>
+            <a:r>
+              <a:rPr sz="3700" spc="-125" dirty="0">
+                <a:solidFill>
+                  <a:srgbClr val="FFFFFF"/>
+                </a:solidFill>
+                <a:latin typeface="Trebuchet MS"/>
+                <a:cs typeface="Trebuchet MS"/>
+              </a:rPr>
+              <a:t> мире,</a:t>
+            </a:r>
+            <a:r>
+              <a:rPr sz="3700" spc="-120" dirty="0">
+                <a:solidFill>
+                  <a:srgbClr val="FFFFFF"/>
+                </a:solidFill>
+                <a:latin typeface="Trebuchet MS"/>
+                <a:cs typeface="Trebuchet MS"/>
+              </a:rPr>
+              <a:t> </a:t>
+            </a:r>
+            <a:r>
+              <a:rPr sz="3700" spc="-20" dirty="0">
+                <a:solidFill>
+                  <a:srgbClr val="FFFFFF"/>
+                </a:solidFill>
+                <a:latin typeface="Trebuchet MS"/>
+                <a:cs typeface="Trebuchet MS"/>
+              </a:rPr>
+              <a:t>где</a:t>
+            </a:r>
+            <a:r>
+              <a:rPr sz="3700" spc="-125" dirty="0">
+                <a:solidFill>
+                  <a:srgbClr val="FFFFFF"/>
+                </a:solidFill>
+                <a:latin typeface="Trebuchet MS"/>
+                <a:cs typeface="Trebuchet MS"/>
+              </a:rPr>
+              <a:t> </a:t>
+            </a:r>
+            <a:r>
+              <a:rPr sz="3700" spc="-55" dirty="0">
+                <a:solidFill>
+                  <a:srgbClr val="FFFFFF"/>
+                </a:solidFill>
+                <a:latin typeface="Trebuchet MS"/>
+                <a:cs typeface="Trebuchet MS"/>
+              </a:rPr>
+              <a:t>информационные</a:t>
+            </a:r>
+            <a:r>
+              <a:rPr sz="3700" spc="-120" dirty="0">
+                <a:solidFill>
+                  <a:srgbClr val="FFFFFF"/>
+                </a:solidFill>
+                <a:latin typeface="Trebuchet MS"/>
+                <a:cs typeface="Trebuchet MS"/>
+              </a:rPr>
+              <a:t> </a:t>
+            </a:r>
+            <a:r>
+              <a:rPr sz="3700" spc="-80" dirty="0">
+                <a:solidFill>
+                  <a:srgbClr val="FFFFFF"/>
+                </a:solidFill>
+                <a:latin typeface="Trebuchet MS"/>
+                <a:cs typeface="Trebuchet MS"/>
+              </a:rPr>
+              <a:t>технологии</a:t>
+            </a:r>
+            <a:r>
+              <a:rPr sz="3700" spc="-125" dirty="0">
+                <a:solidFill>
+                  <a:srgbClr val="FFFFFF"/>
+                </a:solidFill>
+                <a:latin typeface="Trebuchet MS"/>
+                <a:cs typeface="Trebuchet MS"/>
+              </a:rPr>
+              <a:t> </a:t>
+            </a:r>
+            <a:r>
+              <a:rPr sz="3700" spc="-60" dirty="0">
+                <a:solidFill>
+                  <a:srgbClr val="FFFFFF"/>
+                </a:solidFill>
+                <a:latin typeface="Trebuchet MS"/>
+                <a:cs typeface="Trebuchet MS"/>
+              </a:rPr>
+              <a:t>стали</a:t>
+            </a:r>
+            <a:r>
+              <a:rPr sz="3700" spc="-120" dirty="0">
+                <a:solidFill>
+                  <a:srgbClr val="FFFFFF"/>
+                </a:solidFill>
+                <a:latin typeface="Trebuchet MS"/>
+                <a:cs typeface="Trebuchet MS"/>
+              </a:rPr>
+              <a:t> неотъемлемой </a:t>
+            </a:r>
+            <a:r>
+              <a:rPr sz="3700" dirty="0">
+                <a:solidFill>
+                  <a:srgbClr val="FFFFFF"/>
+                </a:solidFill>
+                <a:latin typeface="Trebuchet MS"/>
+                <a:cs typeface="Trebuchet MS"/>
+              </a:rPr>
+              <a:t>частью</a:t>
+            </a:r>
+            <a:r>
+              <a:rPr sz="3700" spc="835" dirty="0">
+                <a:solidFill>
+                  <a:srgbClr val="FFFFFF"/>
+                </a:solidFill>
+                <a:latin typeface="Trebuchet MS"/>
+                <a:cs typeface="Trebuchet MS"/>
+              </a:rPr>
+              <a:t> </a:t>
+            </a:r>
+            <a:r>
+              <a:rPr sz="3700" dirty="0">
+                <a:solidFill>
+                  <a:srgbClr val="FFFFFF"/>
+                </a:solidFill>
+                <a:latin typeface="Trebuchet MS"/>
+                <a:cs typeface="Trebuchet MS"/>
+              </a:rPr>
+              <a:t>многих</a:t>
+            </a:r>
+            <a:r>
+              <a:rPr sz="3700" spc="835" dirty="0">
+                <a:solidFill>
+                  <a:srgbClr val="FFFFFF"/>
+                </a:solidFill>
+                <a:latin typeface="Trebuchet MS"/>
+                <a:cs typeface="Trebuchet MS"/>
+              </a:rPr>
+              <a:t> </a:t>
+            </a:r>
+            <a:r>
+              <a:rPr sz="3700" dirty="0">
+                <a:solidFill>
+                  <a:srgbClr val="FFFFFF"/>
+                </a:solidFill>
+                <a:latin typeface="Trebuchet MS"/>
+                <a:cs typeface="Trebuchet MS"/>
+              </a:rPr>
+              <a:t>сфер</a:t>
+            </a:r>
+            <a:r>
+              <a:rPr sz="3700" spc="840" dirty="0">
+                <a:solidFill>
+                  <a:srgbClr val="FFFFFF"/>
+                </a:solidFill>
+                <a:latin typeface="Trebuchet MS"/>
+                <a:cs typeface="Trebuchet MS"/>
+              </a:rPr>
+              <a:t> </a:t>
+            </a:r>
+            <a:r>
+              <a:rPr sz="3700" spc="-55" dirty="0">
+                <a:solidFill>
+                  <a:srgbClr val="FFFFFF"/>
+                </a:solidFill>
+                <a:latin typeface="Trebuchet MS"/>
+                <a:cs typeface="Trebuchet MS"/>
+              </a:rPr>
+              <a:t>деятельности,</a:t>
+            </a:r>
+            <a:r>
+              <a:rPr sz="3700" spc="835" dirty="0">
+                <a:solidFill>
+                  <a:srgbClr val="FFFFFF"/>
+                </a:solidFill>
+                <a:latin typeface="Trebuchet MS"/>
+                <a:cs typeface="Trebuchet MS"/>
+              </a:rPr>
+              <a:t> </a:t>
+            </a:r>
+            <a:r>
+              <a:rPr sz="3700" dirty="0">
+                <a:solidFill>
+                  <a:srgbClr val="FFFFFF"/>
+                </a:solidFill>
+                <a:latin typeface="Trebuchet MS"/>
+                <a:cs typeface="Trebuchet MS"/>
+              </a:rPr>
+              <a:t>включая</a:t>
+            </a:r>
+            <a:r>
+              <a:rPr sz="3700" spc="840" dirty="0">
+                <a:solidFill>
+                  <a:srgbClr val="FFFFFF"/>
+                </a:solidFill>
+                <a:latin typeface="Trebuchet MS"/>
+                <a:cs typeface="Trebuchet MS"/>
+              </a:rPr>
+              <a:t> </a:t>
+            </a:r>
+            <a:r>
+              <a:rPr sz="3700" dirty="0">
+                <a:solidFill>
+                  <a:srgbClr val="FFFFFF"/>
+                </a:solidFill>
+                <a:latin typeface="Trebuchet MS"/>
+                <a:cs typeface="Trebuchet MS"/>
+              </a:rPr>
+              <a:t>образование,</a:t>
+            </a:r>
+            <a:r>
+              <a:rPr sz="3700" spc="835" dirty="0">
+                <a:solidFill>
+                  <a:srgbClr val="FFFFFF"/>
+                </a:solidFill>
+                <a:latin typeface="Trebuchet MS"/>
+                <a:cs typeface="Trebuchet MS"/>
+              </a:rPr>
+              <a:t> </a:t>
+            </a:r>
+            <a:r>
+              <a:rPr sz="3700" dirty="0">
+                <a:solidFill>
+                  <a:srgbClr val="FFFFFF"/>
+                </a:solidFill>
+                <a:latin typeface="Trebuchet MS"/>
+                <a:cs typeface="Trebuchet MS"/>
+              </a:rPr>
+              <a:t>многие</a:t>
+            </a:r>
+            <a:r>
+              <a:rPr sz="3700" spc="835" dirty="0">
+                <a:solidFill>
+                  <a:srgbClr val="FFFFFF"/>
+                </a:solidFill>
+                <a:latin typeface="Trebuchet MS"/>
+                <a:cs typeface="Trebuchet MS"/>
+              </a:rPr>
+              <a:t> </a:t>
+            </a:r>
+            <a:r>
+              <a:rPr sz="3700" spc="-10" dirty="0">
+                <a:solidFill>
+                  <a:srgbClr val="FFFFFF"/>
+                </a:solidFill>
+                <a:latin typeface="Trebuchet MS"/>
+                <a:cs typeface="Trebuchet MS"/>
+              </a:rPr>
+              <a:t>учебные </a:t>
+            </a:r>
+            <a:r>
+              <a:rPr sz="3700" dirty="0">
+                <a:solidFill>
+                  <a:srgbClr val="FFFFFF"/>
+                </a:solidFill>
+                <a:latin typeface="Trebuchet MS"/>
+                <a:cs typeface="Trebuchet MS"/>
+              </a:rPr>
+              <a:t>организации</a:t>
+            </a:r>
+            <a:r>
+              <a:rPr sz="3700" spc="660" dirty="0">
+                <a:solidFill>
+                  <a:srgbClr val="FFFFFF"/>
+                </a:solidFill>
+                <a:latin typeface="Trebuchet MS"/>
+                <a:cs typeface="Trebuchet MS"/>
+              </a:rPr>
+              <a:t> </a:t>
+            </a:r>
+            <a:r>
+              <a:rPr sz="3700" dirty="0">
+                <a:solidFill>
+                  <a:srgbClr val="FFFFFF"/>
+                </a:solidFill>
+                <a:latin typeface="Trebuchet MS"/>
+                <a:cs typeface="Trebuchet MS"/>
+              </a:rPr>
+              <a:t>прибегают</a:t>
+            </a:r>
+            <a:r>
+              <a:rPr sz="3700" spc="665" dirty="0">
+                <a:solidFill>
+                  <a:srgbClr val="FFFFFF"/>
+                </a:solidFill>
+                <a:latin typeface="Trebuchet MS"/>
+                <a:cs typeface="Trebuchet MS"/>
+              </a:rPr>
+              <a:t> </a:t>
+            </a:r>
+            <a:r>
+              <a:rPr sz="3700" dirty="0">
+                <a:solidFill>
+                  <a:srgbClr val="FFFFFF"/>
+                </a:solidFill>
+                <a:latin typeface="Trebuchet MS"/>
+                <a:cs typeface="Trebuchet MS"/>
+              </a:rPr>
+              <a:t>к</a:t>
+            </a:r>
+            <a:r>
+              <a:rPr sz="3700" spc="660" dirty="0">
+                <a:solidFill>
+                  <a:srgbClr val="FFFFFF"/>
+                </a:solidFill>
+                <a:latin typeface="Trebuchet MS"/>
+                <a:cs typeface="Trebuchet MS"/>
+              </a:rPr>
+              <a:t> </a:t>
+            </a:r>
+            <a:r>
+              <a:rPr sz="3700" dirty="0">
+                <a:solidFill>
+                  <a:srgbClr val="FFFFFF"/>
+                </a:solidFill>
+                <a:latin typeface="Trebuchet MS"/>
+                <a:cs typeface="Trebuchet MS"/>
+              </a:rPr>
+              <a:t>использованию</a:t>
+            </a:r>
+            <a:r>
+              <a:rPr sz="3700" spc="665" dirty="0">
+                <a:solidFill>
+                  <a:srgbClr val="FFFFFF"/>
+                </a:solidFill>
+                <a:latin typeface="Trebuchet MS"/>
+                <a:cs typeface="Trebuchet MS"/>
+              </a:rPr>
+              <a:t> </a:t>
+            </a:r>
+            <a:r>
+              <a:rPr sz="3700" spc="-135" dirty="0">
+                <a:solidFill>
+                  <a:srgbClr val="FFFFFF"/>
+                </a:solidFill>
+                <a:latin typeface="Trebuchet MS"/>
+                <a:cs typeface="Trebuchet MS"/>
+              </a:rPr>
+              <a:t>клиент-</a:t>
+            </a:r>
+            <a:r>
+              <a:rPr sz="3700" dirty="0">
+                <a:solidFill>
+                  <a:srgbClr val="FFFFFF"/>
+                </a:solidFill>
+                <a:latin typeface="Trebuchet MS"/>
+                <a:cs typeface="Trebuchet MS"/>
+              </a:rPr>
+              <a:t>серверных</a:t>
+            </a:r>
+            <a:r>
+              <a:rPr sz="3700" spc="665" dirty="0">
+                <a:solidFill>
+                  <a:srgbClr val="FFFFFF"/>
+                </a:solidFill>
+                <a:latin typeface="Trebuchet MS"/>
+                <a:cs typeface="Trebuchet MS"/>
+              </a:rPr>
+              <a:t> </a:t>
+            </a:r>
+            <a:r>
+              <a:rPr sz="3700" dirty="0">
+                <a:solidFill>
+                  <a:srgbClr val="FFFFFF"/>
+                </a:solidFill>
+                <a:latin typeface="Trebuchet MS"/>
+                <a:cs typeface="Trebuchet MS"/>
+              </a:rPr>
+              <a:t>приложений.</a:t>
+            </a:r>
+            <a:r>
+              <a:rPr sz="3700" spc="660" dirty="0">
+                <a:solidFill>
+                  <a:srgbClr val="FFFFFF"/>
+                </a:solidFill>
+                <a:latin typeface="Trebuchet MS"/>
+                <a:cs typeface="Trebuchet MS"/>
+              </a:rPr>
+              <a:t> </a:t>
+            </a:r>
+            <a:r>
+              <a:rPr sz="3700" spc="95" dirty="0">
+                <a:solidFill>
+                  <a:srgbClr val="FFFFFF"/>
+                </a:solidFill>
+                <a:latin typeface="Trebuchet MS"/>
+                <a:cs typeface="Trebuchet MS"/>
+              </a:rPr>
+              <a:t>В </a:t>
+            </a:r>
+            <a:r>
+              <a:rPr sz="3700" dirty="0">
+                <a:solidFill>
+                  <a:srgbClr val="FFFFFF"/>
+                </a:solidFill>
+                <a:latin typeface="Trebuchet MS"/>
+                <a:cs typeface="Trebuchet MS"/>
+              </a:rPr>
+              <a:t>частности,</a:t>
+            </a:r>
+            <a:r>
+              <a:rPr sz="3700" spc="750" dirty="0">
+                <a:solidFill>
+                  <a:srgbClr val="FFFFFF"/>
+                </a:solidFill>
+                <a:latin typeface="Trebuchet MS"/>
+                <a:cs typeface="Trebuchet MS"/>
+              </a:rPr>
+              <a:t> </a:t>
+            </a:r>
+            <a:r>
+              <a:rPr sz="3700" dirty="0">
+                <a:solidFill>
+                  <a:srgbClr val="FFFFFF"/>
+                </a:solidFill>
+                <a:latin typeface="Trebuchet MS"/>
+                <a:cs typeface="Trebuchet MS"/>
+              </a:rPr>
+              <a:t>автошколы</a:t>
+            </a:r>
+            <a:r>
+              <a:rPr sz="3700" spc="750" dirty="0">
+                <a:solidFill>
+                  <a:srgbClr val="FFFFFF"/>
+                </a:solidFill>
+                <a:latin typeface="Trebuchet MS"/>
+                <a:cs typeface="Trebuchet MS"/>
+              </a:rPr>
+              <a:t> </a:t>
+            </a:r>
+            <a:r>
+              <a:rPr sz="3700" dirty="0">
+                <a:solidFill>
+                  <a:srgbClr val="FFFFFF"/>
+                </a:solidFill>
+                <a:latin typeface="Trebuchet MS"/>
+                <a:cs typeface="Trebuchet MS"/>
+              </a:rPr>
+              <a:t>активно</a:t>
+            </a:r>
+            <a:r>
+              <a:rPr sz="3700" spc="750" dirty="0">
+                <a:solidFill>
+                  <a:srgbClr val="FFFFFF"/>
+                </a:solidFill>
+                <a:latin typeface="Trebuchet MS"/>
+                <a:cs typeface="Trebuchet MS"/>
+              </a:rPr>
+              <a:t> </a:t>
+            </a:r>
+            <a:r>
+              <a:rPr sz="3700" dirty="0">
+                <a:solidFill>
+                  <a:srgbClr val="FFFFFF"/>
+                </a:solidFill>
+                <a:latin typeface="Trebuchet MS"/>
+                <a:cs typeface="Trebuchet MS"/>
+              </a:rPr>
+              <a:t>внедряют</a:t>
+            </a:r>
+            <a:r>
+              <a:rPr sz="3700" spc="755" dirty="0">
+                <a:solidFill>
+                  <a:srgbClr val="FFFFFF"/>
+                </a:solidFill>
+                <a:latin typeface="Trebuchet MS"/>
+                <a:cs typeface="Trebuchet MS"/>
+              </a:rPr>
+              <a:t> </a:t>
+            </a:r>
+            <a:r>
+              <a:rPr sz="3700" dirty="0">
+                <a:solidFill>
+                  <a:srgbClr val="FFFFFF"/>
+                </a:solidFill>
+                <a:latin typeface="Trebuchet MS"/>
+                <a:cs typeface="Trebuchet MS"/>
+              </a:rPr>
+              <a:t>технологии</a:t>
+            </a:r>
+            <a:r>
+              <a:rPr sz="3700" spc="750" dirty="0">
+                <a:solidFill>
+                  <a:srgbClr val="FFFFFF"/>
+                </a:solidFill>
+                <a:latin typeface="Trebuchet MS"/>
+                <a:cs typeface="Trebuchet MS"/>
+              </a:rPr>
+              <a:t> </a:t>
+            </a:r>
+            <a:r>
+              <a:rPr sz="3700" dirty="0">
+                <a:solidFill>
+                  <a:srgbClr val="FFFFFF"/>
+                </a:solidFill>
+                <a:latin typeface="Trebuchet MS"/>
+                <a:cs typeface="Trebuchet MS"/>
+              </a:rPr>
+              <a:t>для</a:t>
+            </a:r>
+            <a:r>
+              <a:rPr sz="3700" spc="750" dirty="0">
+                <a:solidFill>
+                  <a:srgbClr val="FFFFFF"/>
+                </a:solidFill>
+                <a:latin typeface="Trebuchet MS"/>
+                <a:cs typeface="Trebuchet MS"/>
+              </a:rPr>
+              <a:t> </a:t>
+            </a:r>
+            <a:r>
+              <a:rPr sz="3700" dirty="0">
+                <a:solidFill>
+                  <a:srgbClr val="FFFFFF"/>
+                </a:solidFill>
+                <a:latin typeface="Trebuchet MS"/>
+                <a:cs typeface="Trebuchet MS"/>
+              </a:rPr>
+              <a:t>улучшения</a:t>
+            </a:r>
+            <a:r>
+              <a:rPr sz="3700" spc="755" dirty="0">
+                <a:solidFill>
+                  <a:srgbClr val="FFFFFF"/>
+                </a:solidFill>
+                <a:latin typeface="Trebuchet MS"/>
+                <a:cs typeface="Trebuchet MS"/>
+              </a:rPr>
+              <a:t> </a:t>
+            </a:r>
+            <a:r>
+              <a:rPr sz="3700" spc="-20" dirty="0">
+                <a:solidFill>
+                  <a:srgbClr val="FFFFFF"/>
+                </a:solidFill>
+                <a:latin typeface="Trebuchet MS"/>
+                <a:cs typeface="Trebuchet MS"/>
+              </a:rPr>
+              <a:t>своей </a:t>
+            </a:r>
+            <a:r>
+              <a:rPr sz="3700" spc="-80" dirty="0">
+                <a:solidFill>
+                  <a:srgbClr val="FFFFFF"/>
+                </a:solidFill>
+                <a:latin typeface="Trebuchet MS"/>
+                <a:cs typeface="Trebuchet MS"/>
+              </a:rPr>
+              <a:t>эффективности</a:t>
+            </a:r>
+            <a:r>
+              <a:rPr sz="3700" spc="535" dirty="0">
+                <a:solidFill>
+                  <a:srgbClr val="FFFFFF"/>
+                </a:solidFill>
+                <a:latin typeface="Trebuchet MS"/>
+                <a:cs typeface="Trebuchet MS"/>
+              </a:rPr>
+              <a:t> </a:t>
+            </a:r>
+            <a:r>
+              <a:rPr sz="3700" dirty="0">
+                <a:solidFill>
+                  <a:srgbClr val="FFFFFF"/>
+                </a:solidFill>
+                <a:latin typeface="Trebuchet MS"/>
+                <a:cs typeface="Trebuchet MS"/>
+              </a:rPr>
+              <a:t>и</a:t>
+            </a:r>
+            <a:r>
+              <a:rPr sz="3700" spc="535" dirty="0">
+                <a:solidFill>
+                  <a:srgbClr val="FFFFFF"/>
+                </a:solidFill>
+                <a:latin typeface="Trebuchet MS"/>
+                <a:cs typeface="Trebuchet MS"/>
+              </a:rPr>
+              <a:t> </a:t>
+            </a:r>
+            <a:r>
+              <a:rPr sz="3700" dirty="0">
+                <a:solidFill>
+                  <a:srgbClr val="FFFFFF"/>
+                </a:solidFill>
+                <a:latin typeface="Trebuchet MS"/>
+                <a:cs typeface="Trebuchet MS"/>
+              </a:rPr>
+              <a:t>качества</a:t>
+            </a:r>
+            <a:r>
+              <a:rPr sz="3700" spc="540" dirty="0">
+                <a:solidFill>
+                  <a:srgbClr val="FFFFFF"/>
+                </a:solidFill>
+                <a:latin typeface="Trebuchet MS"/>
+                <a:cs typeface="Trebuchet MS"/>
+              </a:rPr>
+              <a:t> </a:t>
+            </a:r>
+            <a:r>
+              <a:rPr sz="3700" dirty="0">
+                <a:solidFill>
+                  <a:srgbClr val="FFFFFF"/>
+                </a:solidFill>
+                <a:latin typeface="Trebuchet MS"/>
+                <a:cs typeface="Trebuchet MS"/>
+              </a:rPr>
+              <a:t>обучения.</a:t>
+            </a:r>
+            <a:r>
+              <a:rPr sz="3700" spc="535" dirty="0">
+                <a:solidFill>
+                  <a:srgbClr val="FFFFFF"/>
+                </a:solidFill>
+                <a:latin typeface="Trebuchet MS"/>
+                <a:cs typeface="Trebuchet MS"/>
+              </a:rPr>
+              <a:t> </a:t>
+            </a:r>
+            <a:r>
+              <a:rPr sz="3700" dirty="0">
+                <a:solidFill>
+                  <a:srgbClr val="FFFFFF"/>
+                </a:solidFill>
+                <a:latin typeface="Trebuchet MS"/>
+                <a:cs typeface="Trebuchet MS"/>
+              </a:rPr>
+              <a:t>Тем</a:t>
+            </a:r>
+            <a:r>
+              <a:rPr sz="3700" spc="540" dirty="0">
+                <a:solidFill>
+                  <a:srgbClr val="FFFFFF"/>
+                </a:solidFill>
+                <a:latin typeface="Trebuchet MS"/>
+                <a:cs typeface="Trebuchet MS"/>
+              </a:rPr>
+              <a:t> </a:t>
+            </a:r>
+            <a:r>
+              <a:rPr sz="3700" dirty="0">
+                <a:solidFill>
+                  <a:srgbClr val="FFFFFF"/>
+                </a:solidFill>
+                <a:latin typeface="Trebuchet MS"/>
+                <a:cs typeface="Trebuchet MS"/>
+              </a:rPr>
+              <a:t>самым</a:t>
+            </a:r>
+            <a:r>
+              <a:rPr sz="3700" spc="535" dirty="0">
+                <a:solidFill>
+                  <a:srgbClr val="FFFFFF"/>
+                </a:solidFill>
+                <a:latin typeface="Trebuchet MS"/>
+                <a:cs typeface="Trebuchet MS"/>
+              </a:rPr>
+              <a:t> </a:t>
+            </a:r>
+            <a:r>
+              <a:rPr sz="3700" dirty="0">
+                <a:solidFill>
+                  <a:srgbClr val="FFFFFF"/>
+                </a:solidFill>
+                <a:latin typeface="Trebuchet MS"/>
+                <a:cs typeface="Trebuchet MS"/>
+              </a:rPr>
+              <a:t>разработка</a:t>
+            </a:r>
+            <a:r>
+              <a:rPr sz="3700" spc="540" dirty="0">
+                <a:solidFill>
+                  <a:srgbClr val="FFFFFF"/>
+                </a:solidFill>
+                <a:latin typeface="Trebuchet MS"/>
+                <a:cs typeface="Trebuchet MS"/>
+              </a:rPr>
+              <a:t> </a:t>
+            </a:r>
+            <a:r>
+              <a:rPr sz="3700" dirty="0">
+                <a:solidFill>
+                  <a:srgbClr val="FFFFFF"/>
+                </a:solidFill>
+                <a:latin typeface="Trebuchet MS"/>
+                <a:cs typeface="Trebuchet MS"/>
+              </a:rPr>
+              <a:t>и</a:t>
+            </a:r>
+            <a:r>
+              <a:rPr sz="3700" spc="535" dirty="0">
+                <a:solidFill>
+                  <a:srgbClr val="FFFFFF"/>
+                </a:solidFill>
+                <a:latin typeface="Trebuchet MS"/>
+                <a:cs typeface="Trebuchet MS"/>
+              </a:rPr>
+              <a:t> </a:t>
+            </a:r>
+            <a:r>
+              <a:rPr sz="3700" spc="-10" dirty="0">
+                <a:solidFill>
+                  <a:srgbClr val="FFFFFF"/>
+                </a:solidFill>
+                <a:latin typeface="Trebuchet MS"/>
+                <a:cs typeface="Trebuchet MS"/>
+              </a:rPr>
+              <a:t>обеспечение </a:t>
+            </a:r>
+            <a:r>
+              <a:rPr sz="3700" spc="-25" dirty="0">
+                <a:solidFill>
+                  <a:srgbClr val="FFFFFF"/>
+                </a:solidFill>
+                <a:latin typeface="Trebuchet MS"/>
+                <a:cs typeface="Trebuchet MS"/>
+              </a:rPr>
+              <a:t>безопасности</a:t>
+            </a:r>
+            <a:r>
+              <a:rPr sz="3700" spc="-150" dirty="0">
+                <a:solidFill>
+                  <a:srgbClr val="FFFFFF"/>
+                </a:solidFill>
+                <a:latin typeface="Trebuchet MS"/>
+                <a:cs typeface="Trebuchet MS"/>
+              </a:rPr>
+              <a:t> </a:t>
+            </a:r>
+            <a:r>
+              <a:rPr sz="3700" spc="-135" dirty="0">
+                <a:solidFill>
+                  <a:srgbClr val="FFFFFF"/>
+                </a:solidFill>
+                <a:latin typeface="Trebuchet MS"/>
+                <a:cs typeface="Trebuchet MS"/>
+              </a:rPr>
+              <a:t>клиент-</a:t>
+            </a:r>
+            <a:r>
+              <a:rPr sz="3700" spc="-30" dirty="0">
+                <a:solidFill>
+                  <a:srgbClr val="FFFFFF"/>
+                </a:solidFill>
+                <a:latin typeface="Trebuchet MS"/>
+                <a:cs typeface="Trebuchet MS"/>
+              </a:rPr>
+              <a:t>серверного</a:t>
+            </a:r>
+            <a:r>
+              <a:rPr sz="3700" spc="-150" dirty="0">
+                <a:solidFill>
+                  <a:srgbClr val="FFFFFF"/>
+                </a:solidFill>
+                <a:latin typeface="Trebuchet MS"/>
+                <a:cs typeface="Trebuchet MS"/>
+              </a:rPr>
+              <a:t> </a:t>
+            </a:r>
+            <a:r>
+              <a:rPr sz="3700" spc="-95" dirty="0">
+                <a:solidFill>
+                  <a:srgbClr val="FFFFFF"/>
+                </a:solidFill>
+                <a:latin typeface="Trebuchet MS"/>
+                <a:cs typeface="Trebuchet MS"/>
+              </a:rPr>
+              <a:t>приложения</a:t>
+            </a:r>
+            <a:r>
+              <a:rPr sz="3700" spc="-145" dirty="0">
+                <a:solidFill>
+                  <a:srgbClr val="FFFFFF"/>
+                </a:solidFill>
+                <a:latin typeface="Trebuchet MS"/>
+                <a:cs typeface="Trebuchet MS"/>
+              </a:rPr>
+              <a:t> </a:t>
+            </a:r>
+            <a:r>
+              <a:rPr sz="3700" spc="-70" dirty="0">
+                <a:solidFill>
+                  <a:srgbClr val="FFFFFF"/>
+                </a:solidFill>
+                <a:latin typeface="Trebuchet MS"/>
+                <a:cs typeface="Trebuchet MS"/>
+              </a:rPr>
+              <a:t>автошколы</a:t>
+            </a:r>
+            <a:r>
+              <a:rPr sz="3700" spc="-150" dirty="0">
+                <a:solidFill>
+                  <a:srgbClr val="FFFFFF"/>
+                </a:solidFill>
+                <a:latin typeface="Trebuchet MS"/>
+                <a:cs typeface="Trebuchet MS"/>
+              </a:rPr>
+              <a:t> </a:t>
+            </a:r>
+            <a:r>
+              <a:rPr sz="3700" spc="-85" dirty="0">
+                <a:solidFill>
+                  <a:srgbClr val="FFFFFF"/>
+                </a:solidFill>
+                <a:latin typeface="Trebuchet MS"/>
+                <a:cs typeface="Trebuchet MS"/>
+              </a:rPr>
+              <a:t>становится</a:t>
+            </a:r>
+            <a:r>
+              <a:rPr sz="3700" spc="-145" dirty="0">
+                <a:solidFill>
+                  <a:srgbClr val="FFFFFF"/>
+                </a:solidFill>
+                <a:latin typeface="Trebuchet MS"/>
+                <a:cs typeface="Trebuchet MS"/>
+              </a:rPr>
+              <a:t> </a:t>
+            </a:r>
+            <a:r>
+              <a:rPr sz="3700" spc="-35" dirty="0">
+                <a:solidFill>
+                  <a:srgbClr val="FFFFFF"/>
+                </a:solidFill>
+                <a:latin typeface="Trebuchet MS"/>
+                <a:cs typeface="Trebuchet MS"/>
+              </a:rPr>
+              <a:t>критически </a:t>
+            </a:r>
+            <a:r>
+              <a:rPr sz="3700" spc="-90" dirty="0">
+                <a:solidFill>
+                  <a:srgbClr val="FFFFFF"/>
+                </a:solidFill>
+                <a:latin typeface="Trebuchet MS"/>
+                <a:cs typeface="Trebuchet MS"/>
+              </a:rPr>
+              <a:t>значимым</a:t>
+            </a:r>
+            <a:r>
+              <a:rPr sz="3700" spc="-120" dirty="0">
+                <a:solidFill>
+                  <a:srgbClr val="FFFFFF"/>
+                </a:solidFill>
+                <a:latin typeface="Trebuchet MS"/>
+                <a:cs typeface="Trebuchet MS"/>
+              </a:rPr>
+              <a:t> </a:t>
+            </a:r>
+            <a:r>
+              <a:rPr sz="3700" spc="-165" dirty="0">
+                <a:solidFill>
+                  <a:srgbClr val="FFFFFF"/>
+                </a:solidFill>
+                <a:latin typeface="Trebuchet MS"/>
+                <a:cs typeface="Trebuchet MS"/>
+              </a:rPr>
+              <a:t>аспектом,</a:t>
+            </a:r>
+            <a:r>
+              <a:rPr sz="3700" spc="-120" dirty="0">
+                <a:solidFill>
+                  <a:srgbClr val="FFFFFF"/>
+                </a:solidFill>
+                <a:latin typeface="Trebuchet MS"/>
+                <a:cs typeface="Trebuchet MS"/>
+              </a:rPr>
+              <a:t> </a:t>
+            </a:r>
+            <a:r>
+              <a:rPr sz="3700" spc="-85" dirty="0">
+                <a:solidFill>
+                  <a:srgbClr val="FFFFFF"/>
+                </a:solidFill>
+                <a:latin typeface="Trebuchet MS"/>
+                <a:cs typeface="Trebuchet MS"/>
+              </a:rPr>
+              <a:t>требующим</a:t>
+            </a:r>
+            <a:r>
+              <a:rPr sz="3700" spc="-120" dirty="0">
+                <a:solidFill>
+                  <a:srgbClr val="FFFFFF"/>
+                </a:solidFill>
+                <a:latin typeface="Trebuchet MS"/>
+                <a:cs typeface="Trebuchet MS"/>
+              </a:rPr>
+              <a:t> </a:t>
+            </a:r>
+            <a:r>
+              <a:rPr sz="3700" spc="-180" dirty="0">
+                <a:solidFill>
+                  <a:srgbClr val="FFFFFF"/>
+                </a:solidFill>
+                <a:latin typeface="Trebuchet MS"/>
+                <a:cs typeface="Trebuchet MS"/>
+              </a:rPr>
+              <a:t>к</a:t>
+            </a:r>
+            <a:r>
+              <a:rPr sz="3700" spc="-114" dirty="0">
+                <a:solidFill>
+                  <a:srgbClr val="FFFFFF"/>
+                </a:solidFill>
+                <a:latin typeface="Trebuchet MS"/>
+                <a:cs typeface="Trebuchet MS"/>
+              </a:rPr>
+              <a:t> </a:t>
+            </a:r>
+            <a:r>
+              <a:rPr sz="3700" spc="-95" dirty="0">
+                <a:solidFill>
+                  <a:srgbClr val="FFFFFF"/>
+                </a:solidFill>
+                <a:latin typeface="Trebuchet MS"/>
+                <a:cs typeface="Trebuchet MS"/>
+              </a:rPr>
+              <a:t>себе</a:t>
+            </a:r>
+            <a:r>
+              <a:rPr sz="3700" spc="-120" dirty="0">
+                <a:solidFill>
+                  <a:srgbClr val="FFFFFF"/>
+                </a:solidFill>
+                <a:latin typeface="Trebuchet MS"/>
+                <a:cs typeface="Trebuchet MS"/>
+              </a:rPr>
+              <a:t> </a:t>
+            </a:r>
+            <a:r>
+              <a:rPr sz="3700" dirty="0">
+                <a:solidFill>
+                  <a:srgbClr val="FFFFFF"/>
+                </a:solidFill>
+                <a:latin typeface="Trebuchet MS"/>
+                <a:cs typeface="Trebuchet MS"/>
+              </a:rPr>
+              <a:t>особого</a:t>
+            </a:r>
+            <a:r>
+              <a:rPr sz="3700" spc="-120" dirty="0">
+                <a:solidFill>
+                  <a:srgbClr val="FFFFFF"/>
+                </a:solidFill>
+                <a:latin typeface="Trebuchet MS"/>
+                <a:cs typeface="Trebuchet MS"/>
+              </a:rPr>
+              <a:t> </a:t>
+            </a:r>
+            <a:r>
+              <a:rPr sz="3700" spc="-10" dirty="0">
+                <a:solidFill>
+                  <a:srgbClr val="FFFFFF"/>
+                </a:solidFill>
+                <a:latin typeface="Trebuchet MS"/>
+                <a:cs typeface="Trebuchet MS"/>
+              </a:rPr>
+              <a:t>внимания.</a:t>
+            </a:r>
+            <a:endParaRPr sz="3700">
+              <a:latin typeface="Trebuchet MS"/>
+              <a:cs typeface="Trebuchet MS"/>
+            </a:endParaRPr>
+          </a:p>
+        </p:txBody>
+      </p:sp>
+      <p:pic>
+        <p:nvPicPr>
+          <p:cNvPr id="5" name="object 5"/>
+          <p:cNvPicPr/>
+          <p:nvPr/>
+        </p:nvPicPr>
+        <p:blipFill>
+          <a:blip r:embed="rId3" cstate="print"/>
+          <a:stretch>
+            <a:fillRect/>
+          </a:stretch>
+        </p:blipFill>
+        <p:spPr>
+          <a:xfrm>
+            <a:off x="-8822" y="362"/>
+            <a:ext cx="3728575" cy="3768680"/>
+          </a:xfrm>
+          <a:prstGeom prst="rect">
+            <a:avLst/>
+          </a:prstGeom>
+        </p:spPr>
+      </p:pic>
+    </p:spTree>
+  </p:cSld>
+  <p:clrMapOvr>
+    <a:masterClrMapping/>
+  </p:clrMapOvr>
+  <mc:AlternateContent xmlns:mc="http://schemas.openxmlformats.org/markup-compatibility/2006" xmlns:p14="http://schemas.microsoft.com/office/powerpoint/2010/main">
+    <mc:Choice Requires="p14">
+      <p:transition spd="med" p14:dur="700">
+        <p:fade/>
+      </p:transition>
+    </mc:Choice>
+    <mc:Fallback xmlns="">
+      <p:transition spd="med">
+        <p:fade/>
+      </p:transition>
+    </mc:Fallback>
+  </mc:AlternateContent>
+  <p:timing>
+    <p:tnLst>
+      <p:par>
+        <p:cTn id="1" dur="indefinite" restart="never" nodeType="tmRoot"/>
+      </p:par>
+    </p:tnLst>
+  </p:timing>
+</p:sld>
+</file>
+
+<file path=ppt/slides/slide20.xml><?xml version="1.0" encoding="utf-8"?>
 <p:sld xmlns:a="http://schemas.openxmlformats.org/drawingml/2006/main" xmlns:r="http://schemas.openxmlformats.org/officeDocument/2006/relationships" xmlns:p="http://schemas.openxmlformats.org/presentationml/2006/main">
   <p:cSld>
     <p:spTree>
@@ -8322,7 +8314,7 @@
               </a:rPr>
               <a:t>материалов.</a:t>
             </a:r>
-            <a:endParaRPr sz="3500">
+            <a:endParaRPr sz="3500" dirty="0">
               <a:latin typeface="Trebuchet MS"/>
               <a:cs typeface="Trebuchet MS"/>
             </a:endParaRPr>
@@ -8340,7 +8332,7 @@
 </p:sld>
 </file>
 
-<file path=ppt/slides/slide22.xml><?xml version="1.0" encoding="utf-8"?>
+<file path=ppt/slides/slide21.xml><?xml version="1.0" encoding="utf-8"?>
 <p:sld xmlns:a="http://schemas.openxmlformats.org/drawingml/2006/main" xmlns:r="http://schemas.openxmlformats.org/officeDocument/2006/relationships" xmlns:p="http://schemas.openxmlformats.org/presentationml/2006/main">
   <p:cSld>
     <p:spTree>
@@ -8442,7 +8434,7 @@
 </p:sld>
 </file>
 
-<file path=ppt/slides/slide23.xml><?xml version="1.0" encoding="utf-8"?>
+<file path=ppt/slides/slide22.xml><?xml version="1.0" encoding="utf-8"?>
 <p:sld xmlns:a="http://schemas.openxmlformats.org/drawingml/2006/main" xmlns:r="http://schemas.openxmlformats.org/officeDocument/2006/relationships" xmlns:p="http://schemas.openxmlformats.org/presentationml/2006/main">
   <p:cSld>
     <p:spTree>
@@ -8545,7 +8537,7 @@
 </p:sld>
 </file>
 
-<file path=ppt/slides/slide24.xml><?xml version="1.0" encoding="utf-8"?>
+<file path=ppt/slides/slide23.xml><?xml version="1.0" encoding="utf-8"?>
 <p:sld xmlns:a="http://schemas.openxmlformats.org/drawingml/2006/main" xmlns:r="http://schemas.openxmlformats.org/officeDocument/2006/relationships" xmlns:p="http://schemas.openxmlformats.org/presentationml/2006/main">
   <p:cSld>
     <p:spTree>
@@ -9220,6 +9212,13 @@
       </p:transition>
     </mc:Fallback>
   </mc:AlternateContent>
+  <p:timing>
+    <p:tnLst>
+      <p:par>
+        <p:cTn id="1" dur="indefinite" restart="never" nodeType="tmRoot"/>
+      </p:par>
+    </p:tnLst>
+  </p:timing>
 </p:sld>
 </file>
 
@@ -10413,6 +10412,13 @@
       </p:transition>
     </mc:Fallback>
   </mc:AlternateContent>
+  <p:timing>
+    <p:tnLst>
+      <p:par>
+        <p:cTn id="1" dur="indefinite" restart="never" nodeType="tmRoot"/>
+      </p:par>
+    </p:tnLst>
+  </p:timing>
 </p:sld>
 </file>
 
@@ -11025,6 +11031,13 @@
   <p:transition spd="slow">
     <p:wipe/>
   </p:transition>
+  <p:timing>
+    <p:tnLst>
+      <p:par>
+        <p:cTn id="1" dur="indefinite" restart="never" nodeType="tmRoot"/>
+      </p:par>
+    </p:tnLst>
+  </p:timing>
 </p:sld>
 </file>
 
@@ -11166,6 +11179,13 @@
       </p:transition>
     </mc:Fallback>
   </mc:AlternateContent>
+  <p:timing>
+    <p:tnLst>
+      <p:par>
+        <p:cTn id="1" dur="indefinite" restart="never" nodeType="tmRoot"/>
+      </p:par>
+    </p:tnLst>
+  </p:timing>
 </p:sld>
 </file>
 
@@ -11200,8 +11220,8 @@
         </p:blipFill>
         <p:spPr>
           <a:xfrm>
-            <a:off x="600552" y="387298"/>
-            <a:ext cx="14029848" cy="5213401"/>
+            <a:off x="600551" y="0"/>
+            <a:ext cx="14029848" cy="5867399"/>
           </a:xfrm>
           <a:prstGeom prst="rect">
             <a:avLst/>
@@ -11276,7 +11296,7 @@
         </p:blipFill>
         <p:spPr>
           <a:xfrm>
-            <a:off x="591586" y="5600698"/>
+            <a:off x="591586" y="5619133"/>
             <a:ext cx="14038813" cy="4686302"/>
           </a:xfrm>
           <a:prstGeom prst="rect">
@@ -11292,6 +11312,13 @@
   <p:transition spd="slow">
     <p:push dir="u"/>
   </p:transition>
+  <p:timing>
+    <p:tnLst>
+      <p:par>
+        <p:cTn id="1" dur="indefinite" restart="never" nodeType="tmRoot"/>
+      </p:par>
+    </p:tnLst>
+  </p:timing>
 </p:sld>
 </file>
 
@@ -11399,6 +11426,13 @@
   <p:transition spd="slow">
     <p:push dir="u"/>
   </p:transition>
+  <p:timing>
+    <p:tnLst>
+      <p:par>
+        <p:cTn id="1" dur="indefinite" restart="never" nodeType="tmRoot"/>
+      </p:par>
+    </p:tnLst>
+  </p:timing>
 </p:sld>
 </file>
 
@@ -11526,6 +11560,13 @@
   <p:transition spd="slow">
     <p:push dir="u"/>
   </p:transition>
+  <p:timing>
+    <p:tnLst>
+      <p:par>
+        <p:cTn id="1" dur="indefinite" restart="never" nodeType="tmRoot"/>
+      </p:par>
+    </p:tnLst>
+  </p:timing>
 </p:sld>
 </file>
 
